--- a/html/presentations/CoderDojoBrayHTML_session4.pptx
+++ b/html/presentations/CoderDojoBrayHTML_session4.pptx
@@ -5,13 +5,25 @@
     <p:sldMasterId id="2147483672" r:id="rId1"/>
   </p:sldMasterIdLst>
   <p:notesMasterIdLst>
-    <p:notesMasterId r:id="rId6"/>
+    <p:notesMasterId r:id="rId18"/>
   </p:notesMasterIdLst>
   <p:sldIdLst>
     <p:sldId id="256" r:id="rId2"/>
-    <p:sldId id="275" r:id="rId3"/>
+    <p:sldId id="276" r:id="rId3"/>
     <p:sldId id="257" r:id="rId4"/>
     <p:sldId id="258" r:id="rId5"/>
+    <p:sldId id="277" r:id="rId6"/>
+    <p:sldId id="278" r:id="rId7"/>
+    <p:sldId id="279" r:id="rId8"/>
+    <p:sldId id="280" r:id="rId9"/>
+    <p:sldId id="281" r:id="rId10"/>
+    <p:sldId id="283" r:id="rId11"/>
+    <p:sldId id="282" r:id="rId12"/>
+    <p:sldId id="284" r:id="rId13"/>
+    <p:sldId id="287" r:id="rId14"/>
+    <p:sldId id="286" r:id="rId15"/>
+    <p:sldId id="289" r:id="rId16"/>
+    <p:sldId id="288" r:id="rId17"/>
   </p:sldIdLst>
   <p:sldSz cx="9144000" cy="6858000" type="screen4x3"/>
   <p:notesSz cx="6858000" cy="9144000"/>
@@ -195,7 +207,7 @@
           <a:p>
             <a:fld id="{9650A110-E0B9-45FC-A343-D8EC5640BF3F}" type="datetimeFigureOut">
               <a:rPr lang="en-IE" smtClean="0"/>
-              <a:t>13/09/2012</a:t>
+              <a:t>18/09/2012</a:t>
             </a:fld>
             <a:endParaRPr lang="en-IE"/>
           </a:p>
@@ -547,6 +559,594 @@
 </p:notes>
 </file>
 
+<file path=ppt/notesSlides/notesSlide10.xml><?xml version="1.0" encoding="utf-8"?>
+<p:notes xmlns:a="http://schemas.openxmlformats.org/drawingml/2006/main" xmlns:r="http://schemas.openxmlformats.org/officeDocument/2006/relationships" xmlns:p="http://schemas.openxmlformats.org/presentationml/2006/main">
+  <p:cSld>
+    <p:spTree>
+      <p:nvGrpSpPr>
+        <p:cNvPr id="1" name=""/>
+        <p:cNvGrpSpPr/>
+        <p:nvPr/>
+      </p:nvGrpSpPr>
+      <p:grpSpPr>
+        <a:xfrm>
+          <a:off x="0" y="0"/>
+          <a:ext cx="0" cy="0"/>
+          <a:chOff x="0" y="0"/>
+          <a:chExt cx="0" cy="0"/>
+        </a:xfrm>
+      </p:grpSpPr>
+      <p:sp>
+        <p:nvSpPr>
+          <p:cNvPr id="2" name="Slide Image Placeholder 1"/>
+          <p:cNvSpPr>
+            <a:spLocks noGrp="1" noRot="1" noChangeAspect="1"/>
+          </p:cNvSpPr>
+          <p:nvPr>
+            <p:ph type="sldImg"/>
+          </p:nvPr>
+        </p:nvSpPr>
+        <p:spPr/>
+      </p:sp>
+      <p:sp>
+        <p:nvSpPr>
+          <p:cNvPr id="3" name="Notes Placeholder 2"/>
+          <p:cNvSpPr>
+            <a:spLocks noGrp="1"/>
+          </p:cNvSpPr>
+          <p:nvPr>
+            <p:ph type="body" idx="1"/>
+          </p:nvPr>
+        </p:nvSpPr>
+        <p:spPr/>
+        <p:txBody>
+          <a:bodyPr/>
+          <a:lstStyle/>
+          <a:p>
+            <a:endParaRPr lang="en-IE" dirty="0"/>
+          </a:p>
+        </p:txBody>
+      </p:sp>
+      <p:sp>
+        <p:nvSpPr>
+          <p:cNvPr id="4" name="Slide Number Placeholder 3"/>
+          <p:cNvSpPr>
+            <a:spLocks noGrp="1"/>
+          </p:cNvSpPr>
+          <p:nvPr>
+            <p:ph type="sldNum" sz="quarter" idx="10"/>
+          </p:nvPr>
+        </p:nvSpPr>
+        <p:spPr/>
+        <p:txBody>
+          <a:bodyPr/>
+          <a:lstStyle/>
+          <a:p>
+            <a:fld id="{ABE5CB41-8F34-4FAE-BDD8-10A032863583}" type="slidenum">
+              <a:rPr lang="en-IE" smtClean="0"/>
+              <a:t>10</a:t>
+            </a:fld>
+            <a:endParaRPr lang="en-IE"/>
+          </a:p>
+        </p:txBody>
+      </p:sp>
+    </p:spTree>
+    <p:extLst>
+      <p:ext uri="{BB962C8B-B14F-4D97-AF65-F5344CB8AC3E}">
+        <p14:creationId xmlns:p14="http://schemas.microsoft.com/office/powerpoint/2010/main" val="2067379537"/>
+      </p:ext>
+    </p:extLst>
+  </p:cSld>
+  <p:clrMapOvr>
+    <a:masterClrMapping/>
+  </p:clrMapOvr>
+</p:notes>
+</file>
+
+<file path=ppt/notesSlides/notesSlide11.xml><?xml version="1.0" encoding="utf-8"?>
+<p:notes xmlns:a="http://schemas.openxmlformats.org/drawingml/2006/main" xmlns:r="http://schemas.openxmlformats.org/officeDocument/2006/relationships" xmlns:p="http://schemas.openxmlformats.org/presentationml/2006/main">
+  <p:cSld>
+    <p:spTree>
+      <p:nvGrpSpPr>
+        <p:cNvPr id="1" name=""/>
+        <p:cNvGrpSpPr/>
+        <p:nvPr/>
+      </p:nvGrpSpPr>
+      <p:grpSpPr>
+        <a:xfrm>
+          <a:off x="0" y="0"/>
+          <a:ext cx="0" cy="0"/>
+          <a:chOff x="0" y="0"/>
+          <a:chExt cx="0" cy="0"/>
+        </a:xfrm>
+      </p:grpSpPr>
+      <p:sp>
+        <p:nvSpPr>
+          <p:cNvPr id="2" name="Slide Image Placeholder 1"/>
+          <p:cNvSpPr>
+            <a:spLocks noGrp="1" noRot="1" noChangeAspect="1"/>
+          </p:cNvSpPr>
+          <p:nvPr>
+            <p:ph type="sldImg"/>
+          </p:nvPr>
+        </p:nvSpPr>
+        <p:spPr/>
+      </p:sp>
+      <p:sp>
+        <p:nvSpPr>
+          <p:cNvPr id="3" name="Notes Placeholder 2"/>
+          <p:cNvSpPr>
+            <a:spLocks noGrp="1"/>
+          </p:cNvSpPr>
+          <p:nvPr>
+            <p:ph type="body" idx="1"/>
+          </p:nvPr>
+        </p:nvSpPr>
+        <p:spPr/>
+        <p:txBody>
+          <a:bodyPr/>
+          <a:lstStyle/>
+          <a:p>
+            <a:endParaRPr lang="en-IE" dirty="0"/>
+          </a:p>
+        </p:txBody>
+      </p:sp>
+      <p:sp>
+        <p:nvSpPr>
+          <p:cNvPr id="4" name="Slide Number Placeholder 3"/>
+          <p:cNvSpPr>
+            <a:spLocks noGrp="1"/>
+          </p:cNvSpPr>
+          <p:nvPr>
+            <p:ph type="sldNum" sz="quarter" idx="10"/>
+          </p:nvPr>
+        </p:nvSpPr>
+        <p:spPr/>
+        <p:txBody>
+          <a:bodyPr/>
+          <a:lstStyle/>
+          <a:p>
+            <a:fld id="{ABE5CB41-8F34-4FAE-BDD8-10A032863583}" type="slidenum">
+              <a:rPr lang="en-IE" smtClean="0"/>
+              <a:t>11</a:t>
+            </a:fld>
+            <a:endParaRPr lang="en-IE"/>
+          </a:p>
+        </p:txBody>
+      </p:sp>
+    </p:spTree>
+    <p:extLst>
+      <p:ext uri="{BB962C8B-B14F-4D97-AF65-F5344CB8AC3E}">
+        <p14:creationId xmlns:p14="http://schemas.microsoft.com/office/powerpoint/2010/main" val="2067379537"/>
+      </p:ext>
+    </p:extLst>
+  </p:cSld>
+  <p:clrMapOvr>
+    <a:masterClrMapping/>
+  </p:clrMapOvr>
+</p:notes>
+</file>
+
+<file path=ppt/notesSlides/notesSlide12.xml><?xml version="1.0" encoding="utf-8"?>
+<p:notes xmlns:a="http://schemas.openxmlformats.org/drawingml/2006/main" xmlns:r="http://schemas.openxmlformats.org/officeDocument/2006/relationships" xmlns:p="http://schemas.openxmlformats.org/presentationml/2006/main">
+  <p:cSld>
+    <p:spTree>
+      <p:nvGrpSpPr>
+        <p:cNvPr id="1" name=""/>
+        <p:cNvGrpSpPr/>
+        <p:nvPr/>
+      </p:nvGrpSpPr>
+      <p:grpSpPr>
+        <a:xfrm>
+          <a:off x="0" y="0"/>
+          <a:ext cx="0" cy="0"/>
+          <a:chOff x="0" y="0"/>
+          <a:chExt cx="0" cy="0"/>
+        </a:xfrm>
+      </p:grpSpPr>
+      <p:sp>
+        <p:nvSpPr>
+          <p:cNvPr id="2" name="Slide Image Placeholder 1"/>
+          <p:cNvSpPr>
+            <a:spLocks noGrp="1" noRot="1" noChangeAspect="1"/>
+          </p:cNvSpPr>
+          <p:nvPr>
+            <p:ph type="sldImg"/>
+          </p:nvPr>
+        </p:nvSpPr>
+        <p:spPr/>
+      </p:sp>
+      <p:sp>
+        <p:nvSpPr>
+          <p:cNvPr id="3" name="Notes Placeholder 2"/>
+          <p:cNvSpPr>
+            <a:spLocks noGrp="1"/>
+          </p:cNvSpPr>
+          <p:nvPr>
+            <p:ph type="body" idx="1"/>
+          </p:nvPr>
+        </p:nvSpPr>
+        <p:spPr/>
+        <p:txBody>
+          <a:bodyPr/>
+          <a:lstStyle/>
+          <a:p>
+            <a:endParaRPr lang="en-IE" dirty="0"/>
+          </a:p>
+        </p:txBody>
+      </p:sp>
+      <p:sp>
+        <p:nvSpPr>
+          <p:cNvPr id="4" name="Slide Number Placeholder 3"/>
+          <p:cNvSpPr>
+            <a:spLocks noGrp="1"/>
+          </p:cNvSpPr>
+          <p:nvPr>
+            <p:ph type="sldNum" sz="quarter" idx="10"/>
+          </p:nvPr>
+        </p:nvSpPr>
+        <p:spPr/>
+        <p:txBody>
+          <a:bodyPr/>
+          <a:lstStyle/>
+          <a:p>
+            <a:fld id="{ABE5CB41-8F34-4FAE-BDD8-10A032863583}" type="slidenum">
+              <a:rPr lang="en-IE" smtClean="0"/>
+              <a:t>12</a:t>
+            </a:fld>
+            <a:endParaRPr lang="en-IE"/>
+          </a:p>
+        </p:txBody>
+      </p:sp>
+    </p:spTree>
+    <p:extLst>
+      <p:ext uri="{BB962C8B-B14F-4D97-AF65-F5344CB8AC3E}">
+        <p14:creationId xmlns:p14="http://schemas.microsoft.com/office/powerpoint/2010/main" val="2067379537"/>
+      </p:ext>
+    </p:extLst>
+  </p:cSld>
+  <p:clrMapOvr>
+    <a:masterClrMapping/>
+  </p:clrMapOvr>
+</p:notes>
+</file>
+
+<file path=ppt/notesSlides/notesSlide13.xml><?xml version="1.0" encoding="utf-8"?>
+<p:notes xmlns:a="http://schemas.openxmlformats.org/drawingml/2006/main" xmlns:r="http://schemas.openxmlformats.org/officeDocument/2006/relationships" xmlns:p="http://schemas.openxmlformats.org/presentationml/2006/main">
+  <p:cSld>
+    <p:spTree>
+      <p:nvGrpSpPr>
+        <p:cNvPr id="1" name=""/>
+        <p:cNvGrpSpPr/>
+        <p:nvPr/>
+      </p:nvGrpSpPr>
+      <p:grpSpPr>
+        <a:xfrm>
+          <a:off x="0" y="0"/>
+          <a:ext cx="0" cy="0"/>
+          <a:chOff x="0" y="0"/>
+          <a:chExt cx="0" cy="0"/>
+        </a:xfrm>
+      </p:grpSpPr>
+      <p:sp>
+        <p:nvSpPr>
+          <p:cNvPr id="2" name="Slide Image Placeholder 1"/>
+          <p:cNvSpPr>
+            <a:spLocks noGrp="1" noRot="1" noChangeAspect="1"/>
+          </p:cNvSpPr>
+          <p:nvPr>
+            <p:ph type="sldImg"/>
+          </p:nvPr>
+        </p:nvSpPr>
+        <p:spPr/>
+      </p:sp>
+      <p:sp>
+        <p:nvSpPr>
+          <p:cNvPr id="3" name="Notes Placeholder 2"/>
+          <p:cNvSpPr>
+            <a:spLocks noGrp="1"/>
+          </p:cNvSpPr>
+          <p:nvPr>
+            <p:ph type="body" idx="1"/>
+          </p:nvPr>
+        </p:nvSpPr>
+        <p:spPr/>
+        <p:txBody>
+          <a:bodyPr/>
+          <a:lstStyle/>
+          <a:p>
+            <a:endParaRPr lang="en-IE" dirty="0"/>
+          </a:p>
+        </p:txBody>
+      </p:sp>
+      <p:sp>
+        <p:nvSpPr>
+          <p:cNvPr id="4" name="Slide Number Placeholder 3"/>
+          <p:cNvSpPr>
+            <a:spLocks noGrp="1"/>
+          </p:cNvSpPr>
+          <p:nvPr>
+            <p:ph type="sldNum" sz="quarter" idx="10"/>
+          </p:nvPr>
+        </p:nvSpPr>
+        <p:spPr/>
+        <p:txBody>
+          <a:bodyPr/>
+          <a:lstStyle/>
+          <a:p>
+            <a:fld id="{ABE5CB41-8F34-4FAE-BDD8-10A032863583}" type="slidenum">
+              <a:rPr lang="en-IE" smtClean="0"/>
+              <a:t>13</a:t>
+            </a:fld>
+            <a:endParaRPr lang="en-IE"/>
+          </a:p>
+        </p:txBody>
+      </p:sp>
+    </p:spTree>
+    <p:extLst>
+      <p:ext uri="{BB962C8B-B14F-4D97-AF65-F5344CB8AC3E}">
+        <p14:creationId xmlns:p14="http://schemas.microsoft.com/office/powerpoint/2010/main" val="2067379537"/>
+      </p:ext>
+    </p:extLst>
+  </p:cSld>
+  <p:clrMapOvr>
+    <a:masterClrMapping/>
+  </p:clrMapOvr>
+</p:notes>
+</file>
+
+<file path=ppt/notesSlides/notesSlide14.xml><?xml version="1.0" encoding="utf-8"?>
+<p:notes xmlns:a="http://schemas.openxmlformats.org/drawingml/2006/main" xmlns:r="http://schemas.openxmlformats.org/officeDocument/2006/relationships" xmlns:p="http://schemas.openxmlformats.org/presentationml/2006/main">
+  <p:cSld>
+    <p:spTree>
+      <p:nvGrpSpPr>
+        <p:cNvPr id="1" name=""/>
+        <p:cNvGrpSpPr/>
+        <p:nvPr/>
+      </p:nvGrpSpPr>
+      <p:grpSpPr>
+        <a:xfrm>
+          <a:off x="0" y="0"/>
+          <a:ext cx="0" cy="0"/>
+          <a:chOff x="0" y="0"/>
+          <a:chExt cx="0" cy="0"/>
+        </a:xfrm>
+      </p:grpSpPr>
+      <p:sp>
+        <p:nvSpPr>
+          <p:cNvPr id="2" name="Slide Image Placeholder 1"/>
+          <p:cNvSpPr>
+            <a:spLocks noGrp="1" noRot="1" noChangeAspect="1"/>
+          </p:cNvSpPr>
+          <p:nvPr>
+            <p:ph type="sldImg"/>
+          </p:nvPr>
+        </p:nvSpPr>
+        <p:spPr/>
+      </p:sp>
+      <p:sp>
+        <p:nvSpPr>
+          <p:cNvPr id="3" name="Notes Placeholder 2"/>
+          <p:cNvSpPr>
+            <a:spLocks noGrp="1"/>
+          </p:cNvSpPr>
+          <p:nvPr>
+            <p:ph type="body" idx="1"/>
+          </p:nvPr>
+        </p:nvSpPr>
+        <p:spPr/>
+        <p:txBody>
+          <a:bodyPr/>
+          <a:lstStyle/>
+          <a:p>
+            <a:endParaRPr lang="en-IE" dirty="0"/>
+          </a:p>
+        </p:txBody>
+      </p:sp>
+      <p:sp>
+        <p:nvSpPr>
+          <p:cNvPr id="4" name="Slide Number Placeholder 3"/>
+          <p:cNvSpPr>
+            <a:spLocks noGrp="1"/>
+          </p:cNvSpPr>
+          <p:nvPr>
+            <p:ph type="sldNum" sz="quarter" idx="10"/>
+          </p:nvPr>
+        </p:nvSpPr>
+        <p:spPr/>
+        <p:txBody>
+          <a:bodyPr/>
+          <a:lstStyle/>
+          <a:p>
+            <a:fld id="{ABE5CB41-8F34-4FAE-BDD8-10A032863583}" type="slidenum">
+              <a:rPr lang="en-IE" smtClean="0"/>
+              <a:t>14</a:t>
+            </a:fld>
+            <a:endParaRPr lang="en-IE"/>
+          </a:p>
+        </p:txBody>
+      </p:sp>
+    </p:spTree>
+    <p:extLst>
+      <p:ext uri="{BB962C8B-B14F-4D97-AF65-F5344CB8AC3E}">
+        <p14:creationId xmlns:p14="http://schemas.microsoft.com/office/powerpoint/2010/main" val="2067379537"/>
+      </p:ext>
+    </p:extLst>
+  </p:cSld>
+  <p:clrMapOvr>
+    <a:masterClrMapping/>
+  </p:clrMapOvr>
+</p:notes>
+</file>
+
+<file path=ppt/notesSlides/notesSlide15.xml><?xml version="1.0" encoding="utf-8"?>
+<p:notes xmlns:a="http://schemas.openxmlformats.org/drawingml/2006/main" xmlns:r="http://schemas.openxmlformats.org/officeDocument/2006/relationships" xmlns:p="http://schemas.openxmlformats.org/presentationml/2006/main">
+  <p:cSld>
+    <p:spTree>
+      <p:nvGrpSpPr>
+        <p:cNvPr id="1" name=""/>
+        <p:cNvGrpSpPr/>
+        <p:nvPr/>
+      </p:nvGrpSpPr>
+      <p:grpSpPr>
+        <a:xfrm>
+          <a:off x="0" y="0"/>
+          <a:ext cx="0" cy="0"/>
+          <a:chOff x="0" y="0"/>
+          <a:chExt cx="0" cy="0"/>
+        </a:xfrm>
+      </p:grpSpPr>
+      <p:sp>
+        <p:nvSpPr>
+          <p:cNvPr id="2" name="Slide Image Placeholder 1"/>
+          <p:cNvSpPr>
+            <a:spLocks noGrp="1" noRot="1" noChangeAspect="1"/>
+          </p:cNvSpPr>
+          <p:nvPr>
+            <p:ph type="sldImg"/>
+          </p:nvPr>
+        </p:nvSpPr>
+        <p:spPr/>
+      </p:sp>
+      <p:sp>
+        <p:nvSpPr>
+          <p:cNvPr id="3" name="Notes Placeholder 2"/>
+          <p:cNvSpPr>
+            <a:spLocks noGrp="1"/>
+          </p:cNvSpPr>
+          <p:nvPr>
+            <p:ph type="body" idx="1"/>
+          </p:nvPr>
+        </p:nvSpPr>
+        <p:spPr/>
+        <p:txBody>
+          <a:bodyPr/>
+          <a:lstStyle/>
+          <a:p>
+            <a:endParaRPr lang="en-IE" baseline="0" dirty="0" smtClean="0"/>
+          </a:p>
+        </p:txBody>
+      </p:sp>
+      <p:sp>
+        <p:nvSpPr>
+          <p:cNvPr id="4" name="Slide Number Placeholder 3"/>
+          <p:cNvSpPr>
+            <a:spLocks noGrp="1"/>
+          </p:cNvSpPr>
+          <p:nvPr>
+            <p:ph type="sldNum" sz="quarter" idx="10"/>
+          </p:nvPr>
+        </p:nvSpPr>
+        <p:spPr/>
+        <p:txBody>
+          <a:bodyPr/>
+          <a:lstStyle/>
+          <a:p>
+            <a:fld id="{ABE5CB41-8F34-4FAE-BDD8-10A032863583}" type="slidenum">
+              <a:rPr lang="en-IE" smtClean="0"/>
+              <a:t>15</a:t>
+            </a:fld>
+            <a:endParaRPr lang="en-IE"/>
+          </a:p>
+        </p:txBody>
+      </p:sp>
+    </p:spTree>
+    <p:extLst>
+      <p:ext uri="{BB962C8B-B14F-4D97-AF65-F5344CB8AC3E}">
+        <p14:creationId xmlns:p14="http://schemas.microsoft.com/office/powerpoint/2010/main" val="2154761357"/>
+      </p:ext>
+    </p:extLst>
+  </p:cSld>
+  <p:clrMapOvr>
+    <a:masterClrMapping/>
+  </p:clrMapOvr>
+</p:notes>
+</file>
+
+<file path=ppt/notesSlides/notesSlide16.xml><?xml version="1.0" encoding="utf-8"?>
+<p:notes xmlns:a="http://schemas.openxmlformats.org/drawingml/2006/main" xmlns:r="http://schemas.openxmlformats.org/officeDocument/2006/relationships" xmlns:p="http://schemas.openxmlformats.org/presentationml/2006/main">
+  <p:cSld>
+    <p:spTree>
+      <p:nvGrpSpPr>
+        <p:cNvPr id="1" name=""/>
+        <p:cNvGrpSpPr/>
+        <p:nvPr/>
+      </p:nvGrpSpPr>
+      <p:grpSpPr>
+        <a:xfrm>
+          <a:off x="0" y="0"/>
+          <a:ext cx="0" cy="0"/>
+          <a:chOff x="0" y="0"/>
+          <a:chExt cx="0" cy="0"/>
+        </a:xfrm>
+      </p:grpSpPr>
+      <p:sp>
+        <p:nvSpPr>
+          <p:cNvPr id="2" name="Slide Image Placeholder 1"/>
+          <p:cNvSpPr>
+            <a:spLocks noGrp="1" noRot="1" noChangeAspect="1"/>
+          </p:cNvSpPr>
+          <p:nvPr>
+            <p:ph type="sldImg"/>
+          </p:nvPr>
+        </p:nvSpPr>
+        <p:spPr/>
+      </p:sp>
+      <p:sp>
+        <p:nvSpPr>
+          <p:cNvPr id="3" name="Notes Placeholder 2"/>
+          <p:cNvSpPr>
+            <a:spLocks noGrp="1"/>
+          </p:cNvSpPr>
+          <p:nvPr>
+            <p:ph type="body" idx="1"/>
+          </p:nvPr>
+        </p:nvSpPr>
+        <p:spPr/>
+        <p:txBody>
+          <a:bodyPr/>
+          <a:lstStyle/>
+          <a:p>
+            <a:endParaRPr lang="en-IE" dirty="0"/>
+          </a:p>
+        </p:txBody>
+      </p:sp>
+      <p:sp>
+        <p:nvSpPr>
+          <p:cNvPr id="4" name="Slide Number Placeholder 3"/>
+          <p:cNvSpPr>
+            <a:spLocks noGrp="1"/>
+          </p:cNvSpPr>
+          <p:nvPr>
+            <p:ph type="sldNum" sz="quarter" idx="10"/>
+          </p:nvPr>
+        </p:nvSpPr>
+        <p:spPr/>
+        <p:txBody>
+          <a:bodyPr/>
+          <a:lstStyle/>
+          <a:p>
+            <a:fld id="{ABE5CB41-8F34-4FAE-BDD8-10A032863583}" type="slidenum">
+              <a:rPr lang="en-IE" smtClean="0"/>
+              <a:t>16</a:t>
+            </a:fld>
+            <a:endParaRPr lang="en-IE"/>
+          </a:p>
+        </p:txBody>
+      </p:sp>
+    </p:spTree>
+    <p:extLst>
+      <p:ext uri="{BB962C8B-B14F-4D97-AF65-F5344CB8AC3E}">
+        <p14:creationId xmlns:p14="http://schemas.microsoft.com/office/powerpoint/2010/main" val="2067379537"/>
+      </p:ext>
+    </p:extLst>
+  </p:cSld>
+  <p:clrMapOvr>
+    <a:masterClrMapping/>
+  </p:clrMapOvr>
+</p:notes>
+</file>
+
 <file path=ppt/notesSlides/notesSlide2.xml><?xml version="1.0" encoding="utf-8"?>
 <p:notes xmlns:a="http://schemas.openxmlformats.org/drawingml/2006/main" xmlns:r="http://schemas.openxmlformats.org/officeDocument/2006/relationships" xmlns:p="http://schemas.openxmlformats.org/presentationml/2006/main">
   <p:cSld>
@@ -823,6 +1423,434 @@
     <p:extLst>
       <p:ext uri="{BB962C8B-B14F-4D97-AF65-F5344CB8AC3E}">
         <p14:creationId xmlns:p14="http://schemas.microsoft.com/office/powerpoint/2010/main" val="45962937"/>
+      </p:ext>
+    </p:extLst>
+  </p:cSld>
+  <p:clrMapOvr>
+    <a:masterClrMapping/>
+  </p:clrMapOvr>
+</p:notes>
+</file>
+
+<file path=ppt/notesSlides/notesSlide5.xml><?xml version="1.0" encoding="utf-8"?>
+<p:notes xmlns:a="http://schemas.openxmlformats.org/drawingml/2006/main" xmlns:r="http://schemas.openxmlformats.org/officeDocument/2006/relationships" xmlns:p="http://schemas.openxmlformats.org/presentationml/2006/main">
+  <p:cSld>
+    <p:spTree>
+      <p:nvGrpSpPr>
+        <p:cNvPr id="1" name=""/>
+        <p:cNvGrpSpPr/>
+        <p:nvPr/>
+      </p:nvGrpSpPr>
+      <p:grpSpPr>
+        <a:xfrm>
+          <a:off x="0" y="0"/>
+          <a:ext cx="0" cy="0"/>
+          <a:chOff x="0" y="0"/>
+          <a:chExt cx="0" cy="0"/>
+        </a:xfrm>
+      </p:grpSpPr>
+      <p:sp>
+        <p:nvSpPr>
+          <p:cNvPr id="2" name="Slide Image Placeholder 1"/>
+          <p:cNvSpPr>
+            <a:spLocks noGrp="1" noRot="1" noChangeAspect="1"/>
+          </p:cNvSpPr>
+          <p:nvPr>
+            <p:ph type="sldImg"/>
+          </p:nvPr>
+        </p:nvSpPr>
+        <p:spPr/>
+      </p:sp>
+      <p:sp>
+        <p:nvSpPr>
+          <p:cNvPr id="3" name="Notes Placeholder 2"/>
+          <p:cNvSpPr>
+            <a:spLocks noGrp="1"/>
+          </p:cNvSpPr>
+          <p:nvPr>
+            <p:ph type="body" idx="1"/>
+          </p:nvPr>
+        </p:nvSpPr>
+        <p:spPr/>
+        <p:txBody>
+          <a:bodyPr/>
+          <a:lstStyle/>
+          <a:p>
+            <a:r>
+              <a:rPr lang="en-IE" dirty="0" smtClean="0"/>
+              <a:t>Of course,</a:t>
+            </a:r>
+            <a:r>
+              <a:rPr lang="en-IE" baseline="0" dirty="0" smtClean="0"/>
+              <a:t> we’re not going to use those colours.</a:t>
+            </a:r>
+            <a:endParaRPr lang="en-IE" dirty="0"/>
+          </a:p>
+        </p:txBody>
+      </p:sp>
+      <p:sp>
+        <p:nvSpPr>
+          <p:cNvPr id="4" name="Slide Number Placeholder 3"/>
+          <p:cNvSpPr>
+            <a:spLocks noGrp="1"/>
+          </p:cNvSpPr>
+          <p:nvPr>
+            <p:ph type="sldNum" sz="quarter" idx="10"/>
+          </p:nvPr>
+        </p:nvSpPr>
+        <p:spPr/>
+        <p:txBody>
+          <a:bodyPr/>
+          <a:lstStyle/>
+          <a:p>
+            <a:fld id="{ABE5CB41-8F34-4FAE-BDD8-10A032863583}" type="slidenum">
+              <a:rPr lang="en-IE" smtClean="0"/>
+              <a:t>5</a:t>
+            </a:fld>
+            <a:endParaRPr lang="en-IE"/>
+          </a:p>
+        </p:txBody>
+      </p:sp>
+    </p:spTree>
+    <p:extLst>
+      <p:ext uri="{BB962C8B-B14F-4D97-AF65-F5344CB8AC3E}">
+        <p14:creationId xmlns:p14="http://schemas.microsoft.com/office/powerpoint/2010/main" val="2067379537"/>
+      </p:ext>
+    </p:extLst>
+  </p:cSld>
+  <p:clrMapOvr>
+    <a:masterClrMapping/>
+  </p:clrMapOvr>
+</p:notes>
+</file>
+
+<file path=ppt/notesSlides/notesSlide6.xml><?xml version="1.0" encoding="utf-8"?>
+<p:notes xmlns:a="http://schemas.openxmlformats.org/drawingml/2006/main" xmlns:r="http://schemas.openxmlformats.org/officeDocument/2006/relationships" xmlns:p="http://schemas.openxmlformats.org/presentationml/2006/main">
+  <p:cSld>
+    <p:spTree>
+      <p:nvGrpSpPr>
+        <p:cNvPr id="1" name=""/>
+        <p:cNvGrpSpPr/>
+        <p:nvPr/>
+      </p:nvGrpSpPr>
+      <p:grpSpPr>
+        <a:xfrm>
+          <a:off x="0" y="0"/>
+          <a:ext cx="0" cy="0"/>
+          <a:chOff x="0" y="0"/>
+          <a:chExt cx="0" cy="0"/>
+        </a:xfrm>
+      </p:grpSpPr>
+      <p:sp>
+        <p:nvSpPr>
+          <p:cNvPr id="2" name="Slide Image Placeholder 1"/>
+          <p:cNvSpPr>
+            <a:spLocks noGrp="1" noRot="1" noChangeAspect="1"/>
+          </p:cNvSpPr>
+          <p:nvPr>
+            <p:ph type="sldImg"/>
+          </p:nvPr>
+        </p:nvSpPr>
+        <p:spPr/>
+      </p:sp>
+      <p:sp>
+        <p:nvSpPr>
+          <p:cNvPr id="3" name="Notes Placeholder 2"/>
+          <p:cNvSpPr>
+            <a:spLocks noGrp="1"/>
+          </p:cNvSpPr>
+          <p:nvPr>
+            <p:ph type="body" idx="1"/>
+          </p:nvPr>
+        </p:nvSpPr>
+        <p:spPr/>
+        <p:txBody>
+          <a:bodyPr/>
+          <a:lstStyle/>
+          <a:p>
+            <a:endParaRPr lang="en-IE" dirty="0"/>
+          </a:p>
+        </p:txBody>
+      </p:sp>
+      <p:sp>
+        <p:nvSpPr>
+          <p:cNvPr id="4" name="Slide Number Placeholder 3"/>
+          <p:cNvSpPr>
+            <a:spLocks noGrp="1"/>
+          </p:cNvSpPr>
+          <p:nvPr>
+            <p:ph type="sldNum" sz="quarter" idx="10"/>
+          </p:nvPr>
+        </p:nvSpPr>
+        <p:spPr/>
+        <p:txBody>
+          <a:bodyPr/>
+          <a:lstStyle/>
+          <a:p>
+            <a:fld id="{ABE5CB41-8F34-4FAE-BDD8-10A032863583}" type="slidenum">
+              <a:rPr lang="en-IE" smtClean="0"/>
+              <a:t>6</a:t>
+            </a:fld>
+            <a:endParaRPr lang="en-IE"/>
+          </a:p>
+        </p:txBody>
+      </p:sp>
+    </p:spTree>
+    <p:extLst>
+      <p:ext uri="{BB962C8B-B14F-4D97-AF65-F5344CB8AC3E}">
+        <p14:creationId xmlns:p14="http://schemas.microsoft.com/office/powerpoint/2010/main" val="2067379537"/>
+      </p:ext>
+    </p:extLst>
+  </p:cSld>
+  <p:clrMapOvr>
+    <a:masterClrMapping/>
+  </p:clrMapOvr>
+</p:notes>
+</file>
+
+<file path=ppt/notesSlides/notesSlide7.xml><?xml version="1.0" encoding="utf-8"?>
+<p:notes xmlns:a="http://schemas.openxmlformats.org/drawingml/2006/main" xmlns:r="http://schemas.openxmlformats.org/officeDocument/2006/relationships" xmlns:p="http://schemas.openxmlformats.org/presentationml/2006/main">
+  <p:cSld>
+    <p:spTree>
+      <p:nvGrpSpPr>
+        <p:cNvPr id="1" name=""/>
+        <p:cNvGrpSpPr/>
+        <p:nvPr/>
+      </p:nvGrpSpPr>
+      <p:grpSpPr>
+        <a:xfrm>
+          <a:off x="0" y="0"/>
+          <a:ext cx="0" cy="0"/>
+          <a:chOff x="0" y="0"/>
+          <a:chExt cx="0" cy="0"/>
+        </a:xfrm>
+      </p:grpSpPr>
+      <p:sp>
+        <p:nvSpPr>
+          <p:cNvPr id="2" name="Slide Image Placeholder 1"/>
+          <p:cNvSpPr>
+            <a:spLocks noGrp="1" noRot="1" noChangeAspect="1"/>
+          </p:cNvSpPr>
+          <p:nvPr>
+            <p:ph type="sldImg"/>
+          </p:nvPr>
+        </p:nvSpPr>
+        <p:spPr/>
+      </p:sp>
+      <p:sp>
+        <p:nvSpPr>
+          <p:cNvPr id="3" name="Notes Placeholder 2"/>
+          <p:cNvSpPr>
+            <a:spLocks noGrp="1"/>
+          </p:cNvSpPr>
+          <p:nvPr>
+            <p:ph type="body" idx="1"/>
+          </p:nvPr>
+        </p:nvSpPr>
+        <p:spPr/>
+        <p:txBody>
+          <a:bodyPr/>
+          <a:lstStyle/>
+          <a:p>
+            <a:endParaRPr lang="en-IE" dirty="0"/>
+          </a:p>
+        </p:txBody>
+      </p:sp>
+      <p:sp>
+        <p:nvSpPr>
+          <p:cNvPr id="4" name="Slide Number Placeholder 3"/>
+          <p:cNvSpPr>
+            <a:spLocks noGrp="1"/>
+          </p:cNvSpPr>
+          <p:nvPr>
+            <p:ph type="sldNum" sz="quarter" idx="10"/>
+          </p:nvPr>
+        </p:nvSpPr>
+        <p:spPr/>
+        <p:txBody>
+          <a:bodyPr/>
+          <a:lstStyle/>
+          <a:p>
+            <a:fld id="{ABE5CB41-8F34-4FAE-BDD8-10A032863583}" type="slidenum">
+              <a:rPr lang="en-IE" smtClean="0"/>
+              <a:t>7</a:t>
+            </a:fld>
+            <a:endParaRPr lang="en-IE"/>
+          </a:p>
+        </p:txBody>
+      </p:sp>
+    </p:spTree>
+    <p:extLst>
+      <p:ext uri="{BB962C8B-B14F-4D97-AF65-F5344CB8AC3E}">
+        <p14:creationId xmlns:p14="http://schemas.microsoft.com/office/powerpoint/2010/main" val="2067379537"/>
+      </p:ext>
+    </p:extLst>
+  </p:cSld>
+  <p:clrMapOvr>
+    <a:masterClrMapping/>
+  </p:clrMapOvr>
+</p:notes>
+</file>
+
+<file path=ppt/notesSlides/notesSlide8.xml><?xml version="1.0" encoding="utf-8"?>
+<p:notes xmlns:a="http://schemas.openxmlformats.org/drawingml/2006/main" xmlns:r="http://schemas.openxmlformats.org/officeDocument/2006/relationships" xmlns:p="http://schemas.openxmlformats.org/presentationml/2006/main">
+  <p:cSld>
+    <p:spTree>
+      <p:nvGrpSpPr>
+        <p:cNvPr id="1" name=""/>
+        <p:cNvGrpSpPr/>
+        <p:nvPr/>
+      </p:nvGrpSpPr>
+      <p:grpSpPr>
+        <a:xfrm>
+          <a:off x="0" y="0"/>
+          <a:ext cx="0" cy="0"/>
+          <a:chOff x="0" y="0"/>
+          <a:chExt cx="0" cy="0"/>
+        </a:xfrm>
+      </p:grpSpPr>
+      <p:sp>
+        <p:nvSpPr>
+          <p:cNvPr id="2" name="Slide Image Placeholder 1"/>
+          <p:cNvSpPr>
+            <a:spLocks noGrp="1" noRot="1" noChangeAspect="1"/>
+          </p:cNvSpPr>
+          <p:nvPr>
+            <p:ph type="sldImg"/>
+          </p:nvPr>
+        </p:nvSpPr>
+        <p:spPr/>
+      </p:sp>
+      <p:sp>
+        <p:nvSpPr>
+          <p:cNvPr id="3" name="Notes Placeholder 2"/>
+          <p:cNvSpPr>
+            <a:spLocks noGrp="1"/>
+          </p:cNvSpPr>
+          <p:nvPr>
+            <p:ph type="body" idx="1"/>
+          </p:nvPr>
+        </p:nvSpPr>
+        <p:spPr/>
+        <p:txBody>
+          <a:bodyPr/>
+          <a:lstStyle/>
+          <a:p>
+            <a:endParaRPr lang="en-IE" dirty="0"/>
+          </a:p>
+        </p:txBody>
+      </p:sp>
+      <p:sp>
+        <p:nvSpPr>
+          <p:cNvPr id="4" name="Slide Number Placeholder 3"/>
+          <p:cNvSpPr>
+            <a:spLocks noGrp="1"/>
+          </p:cNvSpPr>
+          <p:nvPr>
+            <p:ph type="sldNum" sz="quarter" idx="10"/>
+          </p:nvPr>
+        </p:nvSpPr>
+        <p:spPr/>
+        <p:txBody>
+          <a:bodyPr/>
+          <a:lstStyle/>
+          <a:p>
+            <a:fld id="{ABE5CB41-8F34-4FAE-BDD8-10A032863583}" type="slidenum">
+              <a:rPr lang="en-IE" smtClean="0"/>
+              <a:t>8</a:t>
+            </a:fld>
+            <a:endParaRPr lang="en-IE"/>
+          </a:p>
+        </p:txBody>
+      </p:sp>
+    </p:spTree>
+    <p:extLst>
+      <p:ext uri="{BB962C8B-B14F-4D97-AF65-F5344CB8AC3E}">
+        <p14:creationId xmlns:p14="http://schemas.microsoft.com/office/powerpoint/2010/main" val="2067379537"/>
+      </p:ext>
+    </p:extLst>
+  </p:cSld>
+  <p:clrMapOvr>
+    <a:masterClrMapping/>
+  </p:clrMapOvr>
+</p:notes>
+</file>
+
+<file path=ppt/notesSlides/notesSlide9.xml><?xml version="1.0" encoding="utf-8"?>
+<p:notes xmlns:a="http://schemas.openxmlformats.org/drawingml/2006/main" xmlns:r="http://schemas.openxmlformats.org/officeDocument/2006/relationships" xmlns:p="http://schemas.openxmlformats.org/presentationml/2006/main">
+  <p:cSld>
+    <p:spTree>
+      <p:nvGrpSpPr>
+        <p:cNvPr id="1" name=""/>
+        <p:cNvGrpSpPr/>
+        <p:nvPr/>
+      </p:nvGrpSpPr>
+      <p:grpSpPr>
+        <a:xfrm>
+          <a:off x="0" y="0"/>
+          <a:ext cx="0" cy="0"/>
+          <a:chOff x="0" y="0"/>
+          <a:chExt cx="0" cy="0"/>
+        </a:xfrm>
+      </p:grpSpPr>
+      <p:sp>
+        <p:nvSpPr>
+          <p:cNvPr id="2" name="Slide Image Placeholder 1"/>
+          <p:cNvSpPr>
+            <a:spLocks noGrp="1" noRot="1" noChangeAspect="1"/>
+          </p:cNvSpPr>
+          <p:nvPr>
+            <p:ph type="sldImg"/>
+          </p:nvPr>
+        </p:nvSpPr>
+        <p:spPr/>
+      </p:sp>
+      <p:sp>
+        <p:nvSpPr>
+          <p:cNvPr id="3" name="Notes Placeholder 2"/>
+          <p:cNvSpPr>
+            <a:spLocks noGrp="1"/>
+          </p:cNvSpPr>
+          <p:nvPr>
+            <p:ph type="body" idx="1"/>
+          </p:nvPr>
+        </p:nvSpPr>
+        <p:spPr/>
+        <p:txBody>
+          <a:bodyPr/>
+          <a:lstStyle/>
+          <a:p>
+            <a:endParaRPr lang="en-IE" dirty="0"/>
+          </a:p>
+        </p:txBody>
+      </p:sp>
+      <p:sp>
+        <p:nvSpPr>
+          <p:cNvPr id="4" name="Slide Number Placeholder 3"/>
+          <p:cNvSpPr>
+            <a:spLocks noGrp="1"/>
+          </p:cNvSpPr>
+          <p:nvPr>
+            <p:ph type="sldNum" sz="quarter" idx="10"/>
+          </p:nvPr>
+        </p:nvSpPr>
+        <p:spPr/>
+        <p:txBody>
+          <a:bodyPr/>
+          <a:lstStyle/>
+          <a:p>
+            <a:fld id="{ABE5CB41-8F34-4FAE-BDD8-10A032863583}" type="slidenum">
+              <a:rPr lang="en-IE" smtClean="0"/>
+              <a:t>9</a:t>
+            </a:fld>
+            <a:endParaRPr lang="en-IE"/>
+          </a:p>
+        </p:txBody>
+      </p:sp>
+    </p:spTree>
+    <p:extLst>
+      <p:ext uri="{BB962C8B-B14F-4D97-AF65-F5344CB8AC3E}">
+        <p14:creationId xmlns:p14="http://schemas.microsoft.com/office/powerpoint/2010/main" val="2067379537"/>
       </p:ext>
     </p:extLst>
   </p:cSld>
@@ -1075,7 +2103,7 @@
           <a:p>
             <a:fld id="{6D57282B-8A94-4CFA-A812-B2453AD9C772}" type="datetimeFigureOut">
               <a:rPr lang="en-IE" smtClean="0"/>
-              <a:t>13/09/2012</a:t>
+              <a:t>18/09/2012</a:t>
             </a:fld>
             <a:endParaRPr lang="en-IE" dirty="0"/>
           </a:p>
@@ -1298,7 +2326,7 @@
           <a:p>
             <a:fld id="{6D57282B-8A94-4CFA-A812-B2453AD9C772}" type="datetimeFigureOut">
               <a:rPr lang="en-IE" smtClean="0"/>
-              <a:t>13/09/2012</a:t>
+              <a:t>18/09/2012</a:t>
             </a:fld>
             <a:endParaRPr lang="en-IE"/>
           </a:p>
@@ -1578,7 +2606,7 @@
           <a:p>
             <a:fld id="{6D57282B-8A94-4CFA-A812-B2453AD9C772}" type="datetimeFigureOut">
               <a:rPr lang="en-IE" smtClean="0"/>
-              <a:t>13/09/2012</a:t>
+              <a:t>18/09/2012</a:t>
             </a:fld>
             <a:endParaRPr lang="en-IE"/>
           </a:p>
@@ -1757,7 +2785,7 @@
           <a:p>
             <a:fld id="{6D57282B-8A94-4CFA-A812-B2453AD9C772}" type="datetimeFigureOut">
               <a:rPr lang="en-IE" smtClean="0"/>
-              <a:t>13/09/2012</a:t>
+              <a:t>18/09/2012</a:t>
             </a:fld>
             <a:endParaRPr lang="en-IE"/>
           </a:p>
@@ -2151,7 +3179,7 @@
           <a:p>
             <a:fld id="{6D57282B-8A94-4CFA-A812-B2453AD9C772}" type="datetimeFigureOut">
               <a:rPr lang="en-IE" smtClean="0"/>
-              <a:t>13/09/2012</a:t>
+              <a:t>18/09/2012</a:t>
             </a:fld>
             <a:endParaRPr lang="en-IE"/>
           </a:p>
@@ -2438,7 +3466,7 @@
           <a:p>
             <a:fld id="{6D57282B-8A94-4CFA-A812-B2453AD9C772}" type="datetimeFigureOut">
               <a:rPr lang="en-IE" smtClean="0"/>
-              <a:t>13/09/2012</a:t>
+              <a:t>18/09/2012</a:t>
             </a:fld>
             <a:endParaRPr lang="en-IE"/>
           </a:p>
@@ -2860,7 +3888,7 @@
           <a:p>
             <a:fld id="{6D57282B-8A94-4CFA-A812-B2453AD9C772}" type="datetimeFigureOut">
               <a:rPr lang="en-IE" smtClean="0"/>
-              <a:t>13/09/2012</a:t>
+              <a:t>18/09/2012</a:t>
             </a:fld>
             <a:endParaRPr lang="en-IE"/>
           </a:p>
@@ -2975,7 +4003,7 @@
           <a:p>
             <a:fld id="{6D57282B-8A94-4CFA-A812-B2453AD9C772}" type="datetimeFigureOut">
               <a:rPr lang="en-IE" smtClean="0"/>
-              <a:t>13/09/2012</a:t>
+              <a:t>18/09/2012</a:t>
             </a:fld>
             <a:endParaRPr lang="en-IE"/>
           </a:p>
@@ -3065,7 +4093,7 @@
           <a:p>
             <a:fld id="{6D57282B-8A94-4CFA-A812-B2453AD9C772}" type="datetimeFigureOut">
               <a:rPr lang="en-IE" smtClean="0"/>
-              <a:t>13/09/2012</a:t>
+              <a:t>18/09/2012</a:t>
             </a:fld>
             <a:endParaRPr lang="en-IE"/>
           </a:p>
@@ -3343,7 +4371,7 @@
           <a:p>
             <a:fld id="{6D57282B-8A94-4CFA-A812-B2453AD9C772}" type="datetimeFigureOut">
               <a:rPr lang="en-IE" smtClean="0"/>
-              <a:t>13/09/2012</a:t>
+              <a:t>18/09/2012</a:t>
             </a:fld>
             <a:endParaRPr lang="en-IE"/>
           </a:p>
@@ -3704,7 +4732,7 @@
           <a:p>
             <a:fld id="{6D57282B-8A94-4CFA-A812-B2453AD9C772}" type="datetimeFigureOut">
               <a:rPr lang="en-IE" smtClean="0"/>
-              <a:t>13/09/2012</a:t>
+              <a:t>18/09/2012</a:t>
             </a:fld>
             <a:endParaRPr lang="en-IE"/>
           </a:p>
@@ -4141,7 +5169,7 @@
           <a:p>
             <a:fld id="{6D57282B-8A94-4CFA-A812-B2453AD9C772}" type="datetimeFigureOut">
               <a:rPr lang="en-IE" smtClean="0"/>
-              <a:t>13/09/2012</a:t>
+              <a:t>18/09/2012</a:t>
             </a:fld>
             <a:endParaRPr lang="en-IE"/>
           </a:p>
@@ -4684,6 +5712,913 @@
 </p:sld>
 </file>
 
+<file path=ppt/slides/slide10.xml><?xml version="1.0" encoding="utf-8"?>
+<p:sld xmlns:a="http://schemas.openxmlformats.org/drawingml/2006/main" xmlns:r="http://schemas.openxmlformats.org/officeDocument/2006/relationships" xmlns:p="http://schemas.openxmlformats.org/presentationml/2006/main">
+  <p:cSld>
+    <p:spTree>
+      <p:nvGrpSpPr>
+        <p:cNvPr id="1" name=""/>
+        <p:cNvGrpSpPr/>
+        <p:nvPr/>
+      </p:nvGrpSpPr>
+      <p:grpSpPr>
+        <a:xfrm>
+          <a:off x="0" y="0"/>
+          <a:ext cx="0" cy="0"/>
+          <a:chOff x="0" y="0"/>
+          <a:chExt cx="0" cy="0"/>
+        </a:xfrm>
+      </p:grpSpPr>
+      <p:sp>
+        <p:nvSpPr>
+          <p:cNvPr id="2" name="Title 1"/>
+          <p:cNvSpPr>
+            <a:spLocks noGrp="1"/>
+          </p:cNvSpPr>
+          <p:nvPr>
+            <p:ph type="title"/>
+          </p:nvPr>
+        </p:nvSpPr>
+        <p:spPr>
+          <a:xfrm>
+            <a:off x="1571625" y="155448"/>
+            <a:ext cx="7115175" cy="1252728"/>
+          </a:xfrm>
+        </p:spPr>
+        <p:txBody>
+          <a:bodyPr>
+            <a:normAutofit/>
+          </a:bodyPr>
+          <a:lstStyle/>
+          <a:p>
+            <a:r>
+              <a:rPr lang="en-IE" dirty="0" smtClean="0"/>
+              <a:t>Next … layout!</a:t>
+            </a:r>
+            <a:endParaRPr lang="en-IE" dirty="0"/>
+          </a:p>
+        </p:txBody>
+      </p:sp>
+      <p:sp>
+        <p:nvSpPr>
+          <p:cNvPr id="3" name="Content Placeholder 2"/>
+          <p:cNvSpPr>
+            <a:spLocks noGrp="1"/>
+          </p:cNvSpPr>
+          <p:nvPr>
+            <p:ph idx="1"/>
+          </p:nvPr>
+        </p:nvSpPr>
+        <p:spPr/>
+        <p:txBody>
+          <a:bodyPr>
+            <a:normAutofit/>
+          </a:bodyPr>
+          <a:lstStyle/>
+          <a:p>
+            <a:r>
+              <a:rPr lang="en-IE" dirty="0" smtClean="0"/>
+              <a:t>Now we can see the colours</a:t>
+            </a:r>
+          </a:p>
+          <a:p>
+            <a:pPr lvl="1"/>
+            <a:r>
+              <a:rPr lang="en-IE" dirty="0" smtClean="0"/>
+              <a:t>But the &lt;div&gt;s aren’t in the right place!</a:t>
+            </a:r>
+          </a:p>
+          <a:p>
+            <a:r>
+              <a:rPr lang="en-IE" dirty="0" smtClean="0"/>
+              <a:t>That’s OK</a:t>
+            </a:r>
+          </a:p>
+          <a:p>
+            <a:pPr lvl="1"/>
+            <a:r>
+              <a:rPr lang="en-IE" dirty="0" smtClean="0"/>
+              <a:t>Using “float” we can move them around</a:t>
+            </a:r>
+          </a:p>
+          <a:p>
+            <a:pPr lvl="1"/>
+            <a:endParaRPr lang="en-IE" dirty="0" smtClean="0"/>
+          </a:p>
+          <a:p>
+            <a:r>
+              <a:rPr lang="en-IE" dirty="0" smtClean="0"/>
+              <a:t>… let’s see what this looks like …</a:t>
+            </a:r>
+            <a:endParaRPr lang="en-IE" dirty="0"/>
+          </a:p>
+          <a:p>
+            <a:pPr marL="621792" indent="-457200"/>
+            <a:r>
+              <a:rPr lang="en-IE" dirty="0" smtClean="0"/>
+              <a:t>Note you can swap the page around completely with one change …</a:t>
+            </a:r>
+            <a:endParaRPr lang="en-IE" dirty="0"/>
+          </a:p>
+          <a:p>
+            <a:endParaRPr lang="en-IE" dirty="0" smtClean="0"/>
+          </a:p>
+        </p:txBody>
+      </p:sp>
+    </p:spTree>
+    <p:extLst>
+      <p:ext uri="{BB962C8B-B14F-4D97-AF65-F5344CB8AC3E}">
+        <p14:creationId xmlns:p14="http://schemas.microsoft.com/office/powerpoint/2010/main" val="1520106185"/>
+      </p:ext>
+    </p:extLst>
+  </p:cSld>
+  <p:clrMapOvr>
+    <a:masterClrMapping/>
+  </p:clrMapOvr>
+  <p:timing>
+    <p:tnLst>
+      <p:par>
+        <p:cTn id="1" dur="indefinite" restart="never" nodeType="tmRoot"/>
+      </p:par>
+    </p:tnLst>
+  </p:timing>
+</p:sld>
+</file>
+
+<file path=ppt/slides/slide11.xml><?xml version="1.0" encoding="utf-8"?>
+<p:sld xmlns:a="http://schemas.openxmlformats.org/drawingml/2006/main" xmlns:r="http://schemas.openxmlformats.org/officeDocument/2006/relationships" xmlns:p="http://schemas.openxmlformats.org/presentationml/2006/main">
+  <p:cSld>
+    <p:spTree>
+      <p:nvGrpSpPr>
+        <p:cNvPr id="1" name=""/>
+        <p:cNvGrpSpPr/>
+        <p:nvPr/>
+      </p:nvGrpSpPr>
+      <p:grpSpPr>
+        <a:xfrm>
+          <a:off x="0" y="0"/>
+          <a:ext cx="0" cy="0"/>
+          <a:chOff x="0" y="0"/>
+          <a:chExt cx="0" cy="0"/>
+        </a:xfrm>
+      </p:grpSpPr>
+      <p:sp>
+        <p:nvSpPr>
+          <p:cNvPr id="2" name="Title 1"/>
+          <p:cNvSpPr>
+            <a:spLocks noGrp="1"/>
+          </p:cNvSpPr>
+          <p:nvPr>
+            <p:ph type="title"/>
+          </p:nvPr>
+        </p:nvSpPr>
+        <p:spPr>
+          <a:xfrm>
+            <a:off x="1571625" y="155448"/>
+            <a:ext cx="7115175" cy="1252728"/>
+          </a:xfrm>
+        </p:spPr>
+        <p:txBody>
+          <a:bodyPr>
+            <a:normAutofit/>
+          </a:bodyPr>
+          <a:lstStyle/>
+          <a:p>
+            <a:r>
+              <a:rPr lang="en-IE" dirty="0" smtClean="0"/>
+              <a:t>Hmm: fonts don’t match</a:t>
+            </a:r>
+            <a:endParaRPr lang="en-IE" dirty="0"/>
+          </a:p>
+        </p:txBody>
+      </p:sp>
+      <p:sp>
+        <p:nvSpPr>
+          <p:cNvPr id="3" name="Content Placeholder 2"/>
+          <p:cNvSpPr>
+            <a:spLocks noGrp="1"/>
+          </p:cNvSpPr>
+          <p:nvPr>
+            <p:ph idx="1"/>
+          </p:nvPr>
+        </p:nvSpPr>
+        <p:spPr/>
+        <p:txBody>
+          <a:bodyPr>
+            <a:normAutofit/>
+          </a:bodyPr>
+          <a:lstStyle/>
+          <a:p>
+            <a:r>
+              <a:rPr lang="en-IE" dirty="0" smtClean="0"/>
+              <a:t>The fonts in our menu and page don’t match</a:t>
+            </a:r>
+          </a:p>
+          <a:p>
+            <a:endParaRPr lang="en-IE" dirty="0" smtClean="0"/>
+          </a:p>
+          <a:p>
+            <a:r>
+              <a:rPr lang="en-IE" dirty="0" smtClean="0"/>
+              <a:t>Let’s fix the font layout:</a:t>
+            </a:r>
+          </a:p>
+          <a:p>
+            <a:pPr lvl="1"/>
+            <a:r>
+              <a:rPr lang="en-IE" dirty="0" smtClean="0"/>
+              <a:t>Set the font to Arial to match the menu</a:t>
+            </a:r>
+          </a:p>
+          <a:p>
+            <a:endParaRPr lang="en-IE" dirty="0" smtClean="0"/>
+          </a:p>
+          <a:p>
+            <a:r>
+              <a:rPr lang="en-IE" dirty="0" smtClean="0"/>
+              <a:t>Note that we set the font in the &lt;div&gt; which holds the left and right panels, and it changes in both: cascading, remember … </a:t>
+            </a:r>
+          </a:p>
+        </p:txBody>
+      </p:sp>
+    </p:spTree>
+    <p:extLst>
+      <p:ext uri="{BB962C8B-B14F-4D97-AF65-F5344CB8AC3E}">
+        <p14:creationId xmlns:p14="http://schemas.microsoft.com/office/powerpoint/2010/main" val="2233058500"/>
+      </p:ext>
+    </p:extLst>
+  </p:cSld>
+  <p:clrMapOvr>
+    <a:masterClrMapping/>
+  </p:clrMapOvr>
+  <p:timing>
+    <p:tnLst>
+      <p:par>
+        <p:cTn id="1" dur="indefinite" restart="never" nodeType="tmRoot"/>
+      </p:par>
+    </p:tnLst>
+  </p:timing>
+</p:sld>
+</file>
+
+<file path=ppt/slides/slide12.xml><?xml version="1.0" encoding="utf-8"?>
+<p:sld xmlns:a="http://schemas.openxmlformats.org/drawingml/2006/main" xmlns:r="http://schemas.openxmlformats.org/officeDocument/2006/relationships" xmlns:p="http://schemas.openxmlformats.org/presentationml/2006/main">
+  <p:cSld>
+    <p:spTree>
+      <p:nvGrpSpPr>
+        <p:cNvPr id="1" name=""/>
+        <p:cNvGrpSpPr/>
+        <p:nvPr/>
+      </p:nvGrpSpPr>
+      <p:grpSpPr>
+        <a:xfrm>
+          <a:off x="0" y="0"/>
+          <a:ext cx="0" cy="0"/>
+          <a:chOff x="0" y="0"/>
+          <a:chExt cx="0" cy="0"/>
+        </a:xfrm>
+      </p:grpSpPr>
+      <p:sp>
+        <p:nvSpPr>
+          <p:cNvPr id="2" name="Title 1"/>
+          <p:cNvSpPr>
+            <a:spLocks noGrp="1"/>
+          </p:cNvSpPr>
+          <p:nvPr>
+            <p:ph type="title"/>
+          </p:nvPr>
+        </p:nvSpPr>
+        <p:spPr>
+          <a:xfrm>
+            <a:off x="1571625" y="155448"/>
+            <a:ext cx="7115175" cy="1252728"/>
+          </a:xfrm>
+        </p:spPr>
+        <p:txBody>
+          <a:bodyPr>
+            <a:normAutofit/>
+          </a:bodyPr>
+          <a:lstStyle/>
+          <a:p>
+            <a:r>
+              <a:rPr lang="en-IE" dirty="0" smtClean="0"/>
+              <a:t>How about a banner</a:t>
+            </a:r>
+            <a:endParaRPr lang="en-IE" dirty="0"/>
+          </a:p>
+        </p:txBody>
+      </p:sp>
+      <p:sp>
+        <p:nvSpPr>
+          <p:cNvPr id="3" name="Content Placeholder 2"/>
+          <p:cNvSpPr>
+            <a:spLocks noGrp="1"/>
+          </p:cNvSpPr>
+          <p:nvPr>
+            <p:ph idx="1"/>
+          </p:nvPr>
+        </p:nvSpPr>
+        <p:spPr/>
+        <p:txBody>
+          <a:bodyPr>
+            <a:normAutofit/>
+          </a:bodyPr>
+          <a:lstStyle/>
+          <a:p>
+            <a:r>
+              <a:rPr lang="en-IE" dirty="0" smtClean="0"/>
+              <a:t>Remember (ages ago) we set the background image using CSS?</a:t>
+            </a:r>
+          </a:p>
+          <a:p>
+            <a:r>
+              <a:rPr lang="en-IE" dirty="0" smtClean="0"/>
+              <a:t>Because we have split the pages into &lt;div&gt;s, we can set the background image for one part of the page only</a:t>
+            </a:r>
+          </a:p>
+          <a:p>
+            <a:r>
+              <a:rPr lang="en-IE" dirty="0" smtClean="0"/>
+              <a:t>This is an easy way to use a header image</a:t>
+            </a:r>
+          </a:p>
+          <a:p>
+            <a:endParaRPr lang="en-IE" dirty="0"/>
+          </a:p>
+          <a:p>
+            <a:r>
+              <a:rPr lang="en-IE" dirty="0" smtClean="0"/>
+              <a:t>… let’s look … </a:t>
+            </a:r>
+          </a:p>
+        </p:txBody>
+      </p:sp>
+    </p:spTree>
+    <p:extLst>
+      <p:ext uri="{BB962C8B-B14F-4D97-AF65-F5344CB8AC3E}">
+        <p14:creationId xmlns:p14="http://schemas.microsoft.com/office/powerpoint/2010/main" val="3834057744"/>
+      </p:ext>
+    </p:extLst>
+  </p:cSld>
+  <p:clrMapOvr>
+    <a:masterClrMapping/>
+  </p:clrMapOvr>
+  <p:timing>
+    <p:tnLst>
+      <p:par>
+        <p:cTn id="1" dur="indefinite" restart="never" nodeType="tmRoot"/>
+      </p:par>
+    </p:tnLst>
+  </p:timing>
+</p:sld>
+</file>
+
+<file path=ppt/slides/slide13.xml><?xml version="1.0" encoding="utf-8"?>
+<p:sld xmlns:a="http://schemas.openxmlformats.org/drawingml/2006/main" xmlns:r="http://schemas.openxmlformats.org/officeDocument/2006/relationships" xmlns:p="http://schemas.openxmlformats.org/presentationml/2006/main">
+  <p:cSld>
+    <p:spTree>
+      <p:nvGrpSpPr>
+        <p:cNvPr id="1" name=""/>
+        <p:cNvGrpSpPr/>
+        <p:nvPr/>
+      </p:nvGrpSpPr>
+      <p:grpSpPr>
+        <a:xfrm>
+          <a:off x="0" y="0"/>
+          <a:ext cx="0" cy="0"/>
+          <a:chOff x="0" y="0"/>
+          <a:chExt cx="0" cy="0"/>
+        </a:xfrm>
+      </p:grpSpPr>
+      <p:sp>
+        <p:nvSpPr>
+          <p:cNvPr id="2" name="Title 1"/>
+          <p:cNvSpPr>
+            <a:spLocks noGrp="1"/>
+          </p:cNvSpPr>
+          <p:nvPr>
+            <p:ph type="title"/>
+          </p:nvPr>
+        </p:nvSpPr>
+        <p:spPr>
+          <a:xfrm>
+            <a:off x="1571625" y="155448"/>
+            <a:ext cx="7115175" cy="1252728"/>
+          </a:xfrm>
+        </p:spPr>
+        <p:txBody>
+          <a:bodyPr>
+            <a:normAutofit/>
+          </a:bodyPr>
+          <a:lstStyle/>
+          <a:p>
+            <a:r>
+              <a:rPr lang="en-IE" dirty="0" smtClean="0"/>
+              <a:t>Copying Sites on the Web</a:t>
+            </a:r>
+            <a:endParaRPr lang="en-IE" dirty="0"/>
+          </a:p>
+        </p:txBody>
+      </p:sp>
+      <p:sp>
+        <p:nvSpPr>
+          <p:cNvPr id="3" name="Content Placeholder 2"/>
+          <p:cNvSpPr>
+            <a:spLocks noGrp="1"/>
+          </p:cNvSpPr>
+          <p:nvPr>
+            <p:ph idx="1"/>
+          </p:nvPr>
+        </p:nvSpPr>
+        <p:spPr/>
+        <p:txBody>
+          <a:bodyPr>
+            <a:normAutofit/>
+          </a:bodyPr>
+          <a:lstStyle/>
+          <a:p>
+            <a:r>
+              <a:rPr lang="en-IE" dirty="0" smtClean="0"/>
+              <a:t>Remember that you can view the source of any website on the web</a:t>
+            </a:r>
+          </a:p>
+          <a:p>
+            <a:endParaRPr lang="en-IE" dirty="0"/>
+          </a:p>
+          <a:p>
+            <a:r>
+              <a:rPr lang="en-IE" dirty="0" smtClean="0"/>
+              <a:t>You can copy their design ideas and learn from them</a:t>
+            </a:r>
+          </a:p>
+          <a:p>
+            <a:endParaRPr lang="en-IE" dirty="0"/>
+          </a:p>
+          <a:p>
+            <a:r>
+              <a:rPr lang="en-IE" dirty="0" smtClean="0"/>
+              <a:t>You can view and download the CSS</a:t>
+            </a:r>
+          </a:p>
+        </p:txBody>
+      </p:sp>
+    </p:spTree>
+    <p:extLst>
+      <p:ext uri="{BB962C8B-B14F-4D97-AF65-F5344CB8AC3E}">
+        <p14:creationId xmlns:p14="http://schemas.microsoft.com/office/powerpoint/2010/main" val="2330055268"/>
+      </p:ext>
+    </p:extLst>
+  </p:cSld>
+  <p:clrMapOvr>
+    <a:masterClrMapping/>
+  </p:clrMapOvr>
+  <p:timing>
+    <p:tnLst>
+      <p:par>
+        <p:cTn id="1" dur="indefinite" restart="never" nodeType="tmRoot"/>
+      </p:par>
+    </p:tnLst>
+  </p:timing>
+</p:sld>
+</file>
+
+<file path=ppt/slides/slide14.xml><?xml version="1.0" encoding="utf-8"?>
+<p:sld xmlns:a="http://schemas.openxmlformats.org/drawingml/2006/main" xmlns:r="http://schemas.openxmlformats.org/officeDocument/2006/relationships" xmlns:p="http://schemas.openxmlformats.org/presentationml/2006/main">
+  <p:cSld>
+    <p:spTree>
+      <p:nvGrpSpPr>
+        <p:cNvPr id="1" name=""/>
+        <p:cNvGrpSpPr/>
+        <p:nvPr/>
+      </p:nvGrpSpPr>
+      <p:grpSpPr>
+        <a:xfrm>
+          <a:off x="0" y="0"/>
+          <a:ext cx="0" cy="0"/>
+          <a:chOff x="0" y="0"/>
+          <a:chExt cx="0" cy="0"/>
+        </a:xfrm>
+      </p:grpSpPr>
+      <p:sp>
+        <p:nvSpPr>
+          <p:cNvPr id="2" name="Title 1"/>
+          <p:cNvSpPr>
+            <a:spLocks noGrp="1"/>
+          </p:cNvSpPr>
+          <p:nvPr>
+            <p:ph type="title"/>
+          </p:nvPr>
+        </p:nvSpPr>
+        <p:spPr>
+          <a:xfrm>
+            <a:off x="1571625" y="155448"/>
+            <a:ext cx="7115175" cy="1252728"/>
+          </a:xfrm>
+        </p:spPr>
+        <p:txBody>
+          <a:bodyPr>
+            <a:normAutofit/>
+          </a:bodyPr>
+          <a:lstStyle/>
+          <a:p>
+            <a:r>
+              <a:rPr lang="en-IE" dirty="0" smtClean="0"/>
+              <a:t>For the time remaining …</a:t>
+            </a:r>
+            <a:endParaRPr lang="en-IE" dirty="0"/>
+          </a:p>
+        </p:txBody>
+      </p:sp>
+      <p:sp>
+        <p:nvSpPr>
+          <p:cNvPr id="3" name="Content Placeholder 2"/>
+          <p:cNvSpPr>
+            <a:spLocks noGrp="1"/>
+          </p:cNvSpPr>
+          <p:nvPr>
+            <p:ph idx="1"/>
+          </p:nvPr>
+        </p:nvSpPr>
+        <p:spPr/>
+        <p:txBody>
+          <a:bodyPr>
+            <a:normAutofit/>
+          </a:bodyPr>
+          <a:lstStyle/>
+          <a:p>
+            <a:r>
+              <a:rPr lang="en-IE" dirty="0" smtClean="0"/>
+              <a:t>Try to work on a fancy website</a:t>
+            </a:r>
+          </a:p>
+          <a:p>
+            <a:endParaRPr lang="en-IE" dirty="0"/>
+          </a:p>
+          <a:p>
+            <a:r>
+              <a:rPr lang="en-IE" dirty="0" smtClean="0"/>
+              <a:t>Have multiple pages, linked by menus</a:t>
+            </a:r>
+          </a:p>
+          <a:p>
+            <a:endParaRPr lang="en-IE" dirty="0"/>
+          </a:p>
+          <a:p>
+            <a:r>
+              <a:rPr lang="en-IE" dirty="0" smtClean="0"/>
+              <a:t>Use the same styles for each page to make them look the same</a:t>
+            </a:r>
+          </a:p>
+          <a:p>
+            <a:endParaRPr lang="en-IE" dirty="0"/>
+          </a:p>
+          <a:p>
+            <a:r>
+              <a:rPr lang="en-IE" dirty="0" smtClean="0"/>
+              <a:t>Use images and colours. Use better colours than us </a:t>
+            </a:r>
+            <a:r>
+              <a:rPr lang="en-IE" dirty="0" smtClean="0">
+                <a:sym typeface="Wingdings" pitchFamily="2" charset="2"/>
+              </a:rPr>
+              <a:t></a:t>
+            </a:r>
+            <a:endParaRPr lang="en-IE" dirty="0" smtClean="0"/>
+          </a:p>
+        </p:txBody>
+      </p:sp>
+    </p:spTree>
+    <p:extLst>
+      <p:ext uri="{BB962C8B-B14F-4D97-AF65-F5344CB8AC3E}">
+        <p14:creationId xmlns:p14="http://schemas.microsoft.com/office/powerpoint/2010/main" val="3049304568"/>
+      </p:ext>
+    </p:extLst>
+  </p:cSld>
+  <p:clrMapOvr>
+    <a:masterClrMapping/>
+  </p:clrMapOvr>
+  <p:timing>
+    <p:tnLst>
+      <p:par>
+        <p:cTn id="1" dur="indefinite" restart="never" nodeType="tmRoot"/>
+      </p:par>
+    </p:tnLst>
+  </p:timing>
+</p:sld>
+</file>
+
+<file path=ppt/slides/slide15.xml><?xml version="1.0" encoding="utf-8"?>
+<p:sld xmlns:a="http://schemas.openxmlformats.org/drawingml/2006/main" xmlns:r="http://schemas.openxmlformats.org/officeDocument/2006/relationships" xmlns:p="http://schemas.openxmlformats.org/presentationml/2006/main">
+  <p:cSld>
+    <p:spTree>
+      <p:nvGrpSpPr>
+        <p:cNvPr id="1" name=""/>
+        <p:cNvGrpSpPr/>
+        <p:nvPr/>
+      </p:nvGrpSpPr>
+      <p:grpSpPr>
+        <a:xfrm>
+          <a:off x="0" y="0"/>
+          <a:ext cx="0" cy="0"/>
+          <a:chOff x="0" y="0"/>
+          <a:chExt cx="0" cy="0"/>
+        </a:xfrm>
+      </p:grpSpPr>
+      <p:sp>
+        <p:nvSpPr>
+          <p:cNvPr id="2" name="Title 1"/>
+          <p:cNvSpPr>
+            <a:spLocks noGrp="1"/>
+          </p:cNvSpPr>
+          <p:nvPr>
+            <p:ph type="title"/>
+          </p:nvPr>
+        </p:nvSpPr>
+        <p:spPr/>
+        <p:txBody>
+          <a:bodyPr/>
+          <a:lstStyle/>
+          <a:p>
+            <a:r>
+              <a:rPr lang="en-IE" dirty="0" smtClean="0"/>
+              <a:t>Now Practice Some More!</a:t>
+            </a:r>
+            <a:endParaRPr lang="en-IE" dirty="0"/>
+          </a:p>
+        </p:txBody>
+      </p:sp>
+      <p:sp>
+        <p:nvSpPr>
+          <p:cNvPr id="3" name="Content Placeholder 2"/>
+          <p:cNvSpPr>
+            <a:spLocks noGrp="1"/>
+          </p:cNvSpPr>
+          <p:nvPr>
+            <p:ph idx="1"/>
+          </p:nvPr>
+        </p:nvSpPr>
+        <p:spPr/>
+        <p:txBody>
+          <a:bodyPr>
+            <a:normAutofit fontScale="92500" lnSpcReduction="20000"/>
+          </a:bodyPr>
+          <a:lstStyle/>
+          <a:p>
+            <a:pPr marL="118872" indent="0">
+              <a:buNone/>
+            </a:pPr>
+            <a:r>
+              <a:rPr lang="en-IE" dirty="0" smtClean="0"/>
+              <a:t>Make a new website, or upload the one you’ve worked on to dojo.hallamor.org</a:t>
+            </a:r>
+          </a:p>
+          <a:p>
+            <a:pPr marL="118872" indent="0">
+              <a:buNone/>
+            </a:pPr>
+            <a:endParaRPr lang="en-IE" dirty="0" smtClean="0"/>
+          </a:p>
+          <a:p>
+            <a:pPr marL="118872" indent="0">
+              <a:buNone/>
+            </a:pPr>
+            <a:r>
+              <a:rPr lang="en-IE" dirty="0"/>
+              <a:t>At home, practice what you learned this week</a:t>
+            </a:r>
+          </a:p>
+          <a:p>
+            <a:pPr marL="118872" indent="0">
+              <a:buNone/>
+            </a:pPr>
+            <a:endParaRPr lang="en-IE" dirty="0"/>
+          </a:p>
+          <a:p>
+            <a:pPr marL="118872" indent="0">
+              <a:buNone/>
+            </a:pPr>
+            <a:r>
+              <a:rPr lang="en-IE" dirty="0" smtClean="0"/>
+              <a:t>Look at </a:t>
+            </a:r>
+            <a:r>
+              <a:rPr lang="en-IE" dirty="0" smtClean="0">
+                <a:hlinkClick r:id="rId3"/>
+              </a:rPr>
+              <a:t>www.w3schools.com</a:t>
+            </a:r>
+            <a:r>
+              <a:rPr lang="en-IE" dirty="0" smtClean="0"/>
+              <a:t> for examples of other CSS styles</a:t>
+            </a:r>
+          </a:p>
+          <a:p>
+            <a:pPr marL="118872" indent="0">
+              <a:buNone/>
+            </a:pPr>
+            <a:endParaRPr lang="en-IE" dirty="0"/>
+          </a:p>
+          <a:p>
+            <a:pPr marL="118872" indent="0">
+              <a:buNone/>
+            </a:pPr>
+            <a:r>
+              <a:rPr lang="en-IE" dirty="0" smtClean="0"/>
+              <a:t>Look for other CSS tools, tips and tricks online</a:t>
+            </a:r>
+          </a:p>
+          <a:p>
+            <a:pPr marL="118872" indent="0">
+              <a:buNone/>
+            </a:pPr>
+            <a:endParaRPr lang="en-IE" dirty="0"/>
+          </a:p>
+          <a:p>
+            <a:pPr marL="118872" indent="0">
+              <a:buNone/>
+            </a:pPr>
+            <a:r>
+              <a:rPr lang="en-IE" dirty="0" smtClean="0"/>
+              <a:t>Send us the URLs of your websites to look at, to </a:t>
+            </a:r>
+            <a:r>
+              <a:rPr lang="en-IE" dirty="0" smtClean="0">
+                <a:hlinkClick r:id="rId4"/>
+              </a:rPr>
+              <a:t>bray@coderdojo.com</a:t>
+            </a:r>
+            <a:r>
+              <a:rPr lang="en-IE" dirty="0" smtClean="0"/>
+              <a:t> </a:t>
+            </a:r>
+          </a:p>
+          <a:p>
+            <a:pPr marL="118872" indent="0">
+              <a:buNone/>
+            </a:pPr>
+            <a:endParaRPr lang="en-IE" sz="2800" dirty="0" smtClean="0"/>
+          </a:p>
+        </p:txBody>
+      </p:sp>
+    </p:spTree>
+    <p:extLst>
+      <p:ext uri="{BB962C8B-B14F-4D97-AF65-F5344CB8AC3E}">
+        <p14:creationId xmlns:p14="http://schemas.microsoft.com/office/powerpoint/2010/main" val="2703784961"/>
+      </p:ext>
+    </p:extLst>
+  </p:cSld>
+  <p:clrMapOvr>
+    <a:masterClrMapping/>
+  </p:clrMapOvr>
+  <p:timing>
+    <p:tnLst>
+      <p:par>
+        <p:cTn id="1" dur="indefinite" restart="never" nodeType="tmRoot"/>
+      </p:par>
+    </p:tnLst>
+  </p:timing>
+</p:sld>
+</file>
+
+<file path=ppt/slides/slide16.xml><?xml version="1.0" encoding="utf-8"?>
+<p:sld xmlns:a="http://schemas.openxmlformats.org/drawingml/2006/main" xmlns:r="http://schemas.openxmlformats.org/officeDocument/2006/relationships" xmlns:p="http://schemas.openxmlformats.org/presentationml/2006/main">
+  <p:cSld>
+    <p:spTree>
+      <p:nvGrpSpPr>
+        <p:cNvPr id="1" name=""/>
+        <p:cNvGrpSpPr/>
+        <p:nvPr/>
+      </p:nvGrpSpPr>
+      <p:grpSpPr>
+        <a:xfrm>
+          <a:off x="0" y="0"/>
+          <a:ext cx="0" cy="0"/>
+          <a:chOff x="0" y="0"/>
+          <a:chExt cx="0" cy="0"/>
+        </a:xfrm>
+      </p:grpSpPr>
+      <p:sp>
+        <p:nvSpPr>
+          <p:cNvPr id="2" name="Title 1"/>
+          <p:cNvSpPr>
+            <a:spLocks noGrp="1"/>
+          </p:cNvSpPr>
+          <p:nvPr>
+            <p:ph type="title"/>
+          </p:nvPr>
+        </p:nvSpPr>
+        <p:spPr>
+          <a:xfrm>
+            <a:off x="1571625" y="155448"/>
+            <a:ext cx="7115175" cy="1252728"/>
+          </a:xfrm>
+        </p:spPr>
+        <p:txBody>
+          <a:bodyPr>
+            <a:normAutofit/>
+          </a:bodyPr>
+          <a:lstStyle/>
+          <a:p>
+            <a:r>
+              <a:rPr lang="en-IE" dirty="0" smtClean="0"/>
+              <a:t>Next Week @ CoderDojo</a:t>
+            </a:r>
+            <a:endParaRPr lang="en-IE" dirty="0"/>
+          </a:p>
+        </p:txBody>
+      </p:sp>
+      <p:sp>
+        <p:nvSpPr>
+          <p:cNvPr id="3" name="Content Placeholder 2"/>
+          <p:cNvSpPr>
+            <a:spLocks noGrp="1"/>
+          </p:cNvSpPr>
+          <p:nvPr>
+            <p:ph idx="1"/>
+          </p:nvPr>
+        </p:nvSpPr>
+        <p:spPr/>
+        <p:txBody>
+          <a:bodyPr>
+            <a:normAutofit/>
+          </a:bodyPr>
+          <a:lstStyle/>
+          <a:p>
+            <a:r>
+              <a:rPr lang="en-IE" dirty="0" smtClean="0"/>
+              <a:t>Next week we’ll look very quickly at our first programming language: </a:t>
+            </a:r>
+            <a:r>
+              <a:rPr lang="en-IE" dirty="0" err="1" smtClean="0"/>
+              <a:t>Javascript</a:t>
+            </a:r>
+            <a:endParaRPr lang="en-IE" dirty="0" smtClean="0"/>
+          </a:p>
+          <a:p>
+            <a:endParaRPr lang="en-IE" dirty="0" smtClean="0"/>
+          </a:p>
+          <a:p>
+            <a:r>
+              <a:rPr lang="en-IE" dirty="0" err="1" smtClean="0"/>
+              <a:t>Javascript</a:t>
+            </a:r>
+            <a:r>
+              <a:rPr lang="en-IE" dirty="0" smtClean="0"/>
+              <a:t> is a full programming language</a:t>
+            </a:r>
+          </a:p>
+          <a:p>
+            <a:endParaRPr lang="en-IE" dirty="0"/>
+          </a:p>
+          <a:p>
+            <a:r>
+              <a:rPr lang="en-IE" dirty="0" err="1" smtClean="0"/>
+              <a:t>Javascript</a:t>
+            </a:r>
+            <a:r>
+              <a:rPr lang="en-IE" dirty="0" smtClean="0"/>
+              <a:t> is used to make dynamic webpages</a:t>
+            </a:r>
+          </a:p>
+          <a:p>
+            <a:endParaRPr lang="en-IE" dirty="0"/>
+          </a:p>
+          <a:p>
+            <a:r>
+              <a:rPr lang="en-IE" dirty="0" smtClean="0"/>
+              <a:t>We’re not going to do a full </a:t>
+            </a:r>
+            <a:r>
+              <a:rPr lang="en-IE" dirty="0" err="1" smtClean="0"/>
+              <a:t>Javascript</a:t>
+            </a:r>
+            <a:r>
+              <a:rPr lang="en-IE" dirty="0" smtClean="0"/>
+              <a:t> module just yet, just have a quick look</a:t>
+            </a:r>
+          </a:p>
+        </p:txBody>
+      </p:sp>
+    </p:spTree>
+    <p:extLst>
+      <p:ext uri="{BB962C8B-B14F-4D97-AF65-F5344CB8AC3E}">
+        <p14:creationId xmlns:p14="http://schemas.microsoft.com/office/powerpoint/2010/main" val="2711213252"/>
+      </p:ext>
+    </p:extLst>
+  </p:cSld>
+  <p:clrMapOvr>
+    <a:masterClrMapping/>
+  </p:clrMapOvr>
+  <p:timing>
+    <p:tnLst>
+      <p:par>
+        <p:cTn id="1" dur="indefinite" restart="never" nodeType="tmRoot"/>
+      </p:par>
+    </p:tnLst>
+  </p:timing>
+</p:sld>
+</file>
+
 <file path=ppt/slides/slide2.xml><?xml version="1.0" encoding="utf-8"?>
 <p:sld xmlns:a="http://schemas.openxmlformats.org/drawingml/2006/main" xmlns:r="http://schemas.openxmlformats.org/officeDocument/2006/relationships" xmlns:p="http://schemas.openxmlformats.org/presentationml/2006/main">
   <p:cSld>
@@ -4746,25 +6681,35 @@
           <a:lstStyle/>
           <a:p>
             <a:r>
-              <a:rPr lang="en-IE" sz="5400" dirty="0" smtClean="0"/>
-              <a:t>Join wireless network</a:t>
-            </a:r>
-            <a:r>
-              <a:rPr lang="en-IE" sz="6600" dirty="0" smtClean="0"/>
-              <a:t>: </a:t>
+              <a:rPr lang="en-IE" sz="4800" dirty="0" smtClean="0"/>
+              <a:t>Join wireless network:</a:t>
             </a:r>
             <a:br>
-              <a:rPr lang="en-IE" sz="6600" dirty="0" smtClean="0"/>
+              <a:rPr lang="en-IE" sz="4800" dirty="0" smtClean="0"/>
             </a:br>
             <a:r>
-              <a:rPr lang="en-IE" sz="6600" dirty="0" smtClean="0"/>
-              <a:t>       </a:t>
-            </a:r>
-            <a:r>
-              <a:rPr lang="en-IE" sz="7200" b="1" dirty="0" err="1" smtClean="0"/>
+              <a:rPr lang="en-IE" sz="4800" dirty="0" smtClean="0"/>
+              <a:t>            </a:t>
+            </a:r>
+            <a:r>
+              <a:rPr lang="en-IE" sz="4400" b="1" dirty="0" err="1" smtClean="0"/>
               <a:t>coderdojo</a:t>
             </a:r>
-            <a:endParaRPr lang="en-IE" sz="7200" b="1" dirty="0"/>
+            <a:r>
+              <a:rPr lang="en-IE" sz="4400" b="1" dirty="0" smtClean="0"/>
+              <a:t>&lt;x&gt;</a:t>
+            </a:r>
+            <a:br>
+              <a:rPr lang="en-IE" sz="4400" b="1" dirty="0" smtClean="0"/>
+            </a:br>
+            <a:r>
+              <a:rPr lang="en-IE" sz="4400" b="1" dirty="0" smtClean="0"/>
+              <a:t>where &lt;x&gt; is your table number</a:t>
+            </a:r>
+            <a:endParaRPr lang="en-IE" sz="4400" b="1" dirty="0"/>
+          </a:p>
+          <a:p>
+            <a:endParaRPr lang="en-IE" sz="3000" dirty="0" smtClean="0"/>
           </a:p>
           <a:p>
             <a:r>
@@ -4790,20 +6735,8 @@
             </a:br>
             <a:r>
               <a:rPr lang="en-IE" sz="3000" dirty="0" smtClean="0"/>
-              <a:t/>
-            </a:r>
-            <a:br>
-              <a:rPr lang="en-IE" sz="3000" dirty="0" smtClean="0"/>
-            </a:br>
-            <a:r>
-              <a:rPr lang="en-IE" sz="3000" dirty="0" smtClean="0"/>
-              <a:t>Installed on </a:t>
-            </a:r>
-            <a:r>
-              <a:rPr lang="en-IE" sz="3000" smtClean="0"/>
-              <a:t>your laptop?</a:t>
-            </a:r>
-            <a:endParaRPr lang="en-IE" sz="3000" dirty="0" smtClean="0"/>
+              <a:t>Installed on your laptop?</a:t>
+            </a:r>
           </a:p>
           <a:p>
             <a:pPr marL="118872" indent="0">
@@ -4816,7 +6749,7 @@
     </p:spTree>
     <p:extLst>
       <p:ext uri="{BB962C8B-B14F-4D97-AF65-F5344CB8AC3E}">
-        <p14:creationId xmlns:p14="http://schemas.microsoft.com/office/powerpoint/2010/main" val="3427478695"/>
+        <p14:creationId xmlns:p14="http://schemas.microsoft.com/office/powerpoint/2010/main" val="130146746"/>
       </p:ext>
     </p:extLst>
   </p:cSld>
@@ -4867,7 +6800,15 @@
           <a:p>
             <a:r>
               <a:rPr lang="en-IE" dirty="0" smtClean="0"/>
-              <a:t>Session #3</a:t>
+              <a:t>Session </a:t>
+            </a:r>
+            <a:r>
+              <a:rPr lang="en-IE" dirty="0" smtClean="0"/>
+              <a:t>#4</a:t>
+            </a:r>
+            <a:r>
+              <a:rPr lang="en-IE" dirty="0" smtClean="0"/>
+              <a:t/>
             </a:r>
             <a:br>
               <a:rPr lang="en-IE" dirty="0" smtClean="0"/>
@@ -4911,7 +6852,24 @@
           <a:p>
             <a:r>
               <a:rPr lang="en-IE" dirty="0" smtClean="0"/>
-              <a:t>Using CSS to layout web pages</a:t>
+              <a:t>Learn to use CSS </a:t>
+            </a:r>
+            <a:r>
+              <a:rPr lang="en-IE" dirty="0" smtClean="0"/>
+              <a:t>to layout web </a:t>
+            </a:r>
+            <a:r>
+              <a:rPr lang="en-IE" dirty="0" smtClean="0"/>
+              <a:t>pages</a:t>
+            </a:r>
+          </a:p>
+          <a:p>
+            <a:endParaRPr lang="en-IE" dirty="0"/>
+          </a:p>
+          <a:p>
+            <a:r>
+              <a:rPr lang="en-IE" dirty="0" smtClean="0"/>
+              <a:t>This will give you a nice template which you can customise for most website designs</a:t>
             </a:r>
             <a:endParaRPr lang="en-IE" dirty="0" smtClean="0"/>
           </a:p>
@@ -5003,16 +6961,1048 @@
             </a:r>
             <a:r>
               <a:rPr lang="en-US" dirty="0" smtClean="0"/>
-              <a:t>did stuff with menus … </a:t>
-            </a:r>
+              <a:t>used CSS to turn a list into a professional looking menu</a:t>
+            </a:r>
+          </a:p>
+          <a:p>
+            <a:endParaRPr lang="en-US" dirty="0"/>
+          </a:p>
+          <a:p>
+            <a:endParaRPr lang="en-US" dirty="0" smtClean="0"/>
+          </a:p>
+          <a:p>
+            <a:endParaRPr lang="en-US" dirty="0"/>
+          </a:p>
+          <a:p>
+            <a:endParaRPr lang="en-US" dirty="0" smtClean="0"/>
+          </a:p>
+          <a:p>
+            <a:r>
+              <a:rPr lang="en-US" dirty="0" smtClean="0"/>
+              <a:t>Showed using Chrome Developer Tools to inspect and experiment with CSS</a:t>
+            </a:r>
+            <a:r>
+              <a:rPr lang="en-US" dirty="0" smtClean="0"/>
+              <a:t/>
+            </a:r>
+            <a:br>
+              <a:rPr lang="en-US" dirty="0" smtClean="0"/>
+            </a:br>
             <a:endParaRPr lang="en-IE" dirty="0"/>
           </a:p>
         </p:txBody>
       </p:sp>
+      <p:pic>
+        <p:nvPicPr>
+          <p:cNvPr id="1026" name="Picture 2"/>
+          <p:cNvPicPr>
+            <a:picLocks noChangeAspect="1" noChangeArrowheads="1"/>
+          </p:cNvPicPr>
+          <p:nvPr/>
+        </p:nvPicPr>
+        <p:blipFill>
+          <a:blip r:embed="rId3">
+            <a:extLst>
+              <a:ext uri="{28A0092B-C50C-407E-A947-70E740481C1C}">
+                <a14:useLocalDpi xmlns:a14="http://schemas.microsoft.com/office/drawing/2010/main" val="0"/>
+              </a:ext>
+            </a:extLst>
+          </a:blip>
+          <a:srcRect/>
+          <a:stretch>
+            <a:fillRect/>
+          </a:stretch>
+        </p:blipFill>
+        <p:spPr bwMode="auto">
+          <a:xfrm>
+            <a:off x="1043608" y="3068960"/>
+            <a:ext cx="6480720" cy="1409700"/>
+          </a:xfrm>
+          <a:prstGeom prst="rect">
+            <a:avLst/>
+          </a:prstGeom>
+          <a:noFill/>
+          <a:ln>
+            <a:noFill/>
+          </a:ln>
+          <a:effectLst/>
+          <a:extLst>
+            <a:ext uri="{909E8E84-426E-40DD-AFC4-6F175D3DCCD1}">
+              <a14:hiddenFill xmlns:a14="http://schemas.microsoft.com/office/drawing/2010/main">
+                <a:solidFill>
+                  <a:schemeClr val="accent1"/>
+                </a:solidFill>
+              </a14:hiddenFill>
+            </a:ext>
+            <a:ext uri="{91240B29-F687-4F45-9708-019B960494DF}">
+              <a14:hiddenLine xmlns:a14="http://schemas.microsoft.com/office/drawing/2010/main" w="9525">
+                <a:solidFill>
+                  <a:schemeClr val="tx1"/>
+                </a:solidFill>
+                <a:miter lim="800000"/>
+                <a:headEnd/>
+                <a:tailEnd/>
+              </a14:hiddenLine>
+            </a:ext>
+            <a:ext uri="{AF507438-7753-43E0-B8FC-AC1667EBCBE1}">
+              <a14:hiddenEffects xmlns:a14="http://schemas.microsoft.com/office/drawing/2010/main">
+                <a:effectLst>
+                  <a:outerShdw dist="35921" dir="2700000" algn="ctr" rotWithShape="0">
+                    <a:schemeClr val="bg2"/>
+                  </a:outerShdw>
+                </a:effectLst>
+              </a14:hiddenEffects>
+            </a:ext>
+          </a:extLst>
+        </p:spPr>
+      </p:pic>
     </p:spTree>
     <p:extLst>
       <p:ext uri="{BB962C8B-B14F-4D97-AF65-F5344CB8AC3E}">
         <p14:creationId xmlns:p14="http://schemas.microsoft.com/office/powerpoint/2010/main" val="446287894"/>
+      </p:ext>
+    </p:extLst>
+  </p:cSld>
+  <p:clrMapOvr>
+    <a:masterClrMapping/>
+  </p:clrMapOvr>
+  <p:timing>
+    <p:tnLst>
+      <p:par>
+        <p:cTn id="1" dur="indefinite" restart="never" nodeType="tmRoot"/>
+      </p:par>
+    </p:tnLst>
+  </p:timing>
+</p:sld>
+</file>
+
+<file path=ppt/slides/slide5.xml><?xml version="1.0" encoding="utf-8"?>
+<p:sld xmlns:a="http://schemas.openxmlformats.org/drawingml/2006/main" xmlns:r="http://schemas.openxmlformats.org/officeDocument/2006/relationships" xmlns:p="http://schemas.openxmlformats.org/presentationml/2006/main">
+  <p:cSld>
+    <p:spTree>
+      <p:nvGrpSpPr>
+        <p:cNvPr id="1" name=""/>
+        <p:cNvGrpSpPr/>
+        <p:nvPr/>
+      </p:nvGrpSpPr>
+      <p:grpSpPr>
+        <a:xfrm>
+          <a:off x="0" y="0"/>
+          <a:ext cx="0" cy="0"/>
+          <a:chOff x="0" y="0"/>
+          <a:chExt cx="0" cy="0"/>
+        </a:xfrm>
+      </p:grpSpPr>
+      <p:sp>
+        <p:nvSpPr>
+          <p:cNvPr id="2" name="Title 1"/>
+          <p:cNvSpPr>
+            <a:spLocks noGrp="1"/>
+          </p:cNvSpPr>
+          <p:nvPr>
+            <p:ph type="title"/>
+          </p:nvPr>
+        </p:nvSpPr>
+        <p:spPr>
+          <a:xfrm>
+            <a:off x="1571625" y="155448"/>
+            <a:ext cx="7115175" cy="1252728"/>
+          </a:xfrm>
+        </p:spPr>
+        <p:txBody>
+          <a:bodyPr>
+            <a:normAutofit/>
+          </a:bodyPr>
+          <a:lstStyle/>
+          <a:p>
+            <a:r>
+              <a:rPr lang="en-IE" dirty="0" smtClean="0"/>
+              <a:t>The Page Layout</a:t>
+            </a:r>
+            <a:endParaRPr lang="en-IE" dirty="0"/>
+          </a:p>
+        </p:txBody>
+      </p:sp>
+      <p:sp>
+        <p:nvSpPr>
+          <p:cNvPr id="3" name="Content Placeholder 2"/>
+          <p:cNvSpPr>
+            <a:spLocks noGrp="1"/>
+          </p:cNvSpPr>
+          <p:nvPr>
+            <p:ph idx="1"/>
+          </p:nvPr>
+        </p:nvSpPr>
+        <p:spPr/>
+        <p:txBody>
+          <a:bodyPr>
+            <a:normAutofit/>
+          </a:bodyPr>
+          <a:lstStyle/>
+          <a:p>
+            <a:r>
+              <a:rPr lang="en-IE" dirty="0" smtClean="0"/>
+              <a:t>This is what we’ll layout:</a:t>
+            </a:r>
+            <a:endParaRPr lang="en-IE" dirty="0" smtClean="0"/>
+          </a:p>
+          <a:p>
+            <a:endParaRPr lang="en-IE" dirty="0" smtClean="0"/>
+          </a:p>
+          <a:p>
+            <a:endParaRPr lang="en-IE" dirty="0"/>
+          </a:p>
+        </p:txBody>
+      </p:sp>
+      <p:sp>
+        <p:nvSpPr>
+          <p:cNvPr id="4" name="Rectangle 3"/>
+          <p:cNvSpPr/>
+          <p:nvPr/>
+        </p:nvSpPr>
+        <p:spPr>
+          <a:xfrm>
+            <a:off x="683568" y="2492896"/>
+            <a:ext cx="7848872" cy="3744416"/>
+          </a:xfrm>
+          <a:prstGeom prst="rect">
+            <a:avLst/>
+          </a:prstGeom>
+          <a:solidFill>
+            <a:schemeClr val="accent1">
+              <a:lumMod val="20000"/>
+              <a:lumOff val="80000"/>
+            </a:schemeClr>
+          </a:solidFill>
+        </p:spPr>
+        <p:style>
+          <a:lnRef idx="2">
+            <a:schemeClr val="accent1">
+              <a:shade val="50000"/>
+            </a:schemeClr>
+          </a:lnRef>
+          <a:fillRef idx="1">
+            <a:schemeClr val="accent1"/>
+          </a:fillRef>
+          <a:effectRef idx="0">
+            <a:schemeClr val="accent1"/>
+          </a:effectRef>
+          <a:fontRef idx="minor">
+            <a:schemeClr val="lt1"/>
+          </a:fontRef>
+        </p:style>
+        <p:txBody>
+          <a:bodyPr rtlCol="0" anchor="ctr"/>
+          <a:lstStyle/>
+          <a:p>
+            <a:r>
+              <a:rPr lang="en-IE" sz="2400" b="1" dirty="0" smtClean="0">
+                <a:solidFill>
+                  <a:schemeClr val="tx1"/>
+                </a:solidFill>
+              </a:rPr>
+              <a:t>This is where the main text of</a:t>
+            </a:r>
+          </a:p>
+          <a:p>
+            <a:r>
+              <a:rPr lang="en-IE" sz="2400" b="1" dirty="0" smtClean="0">
+                <a:solidFill>
+                  <a:schemeClr val="tx1"/>
+                </a:solidFill>
+              </a:rPr>
+              <a:t>Your web page will go</a:t>
+            </a:r>
+            <a:endParaRPr lang="en-IE" sz="2400" b="1" dirty="0">
+              <a:solidFill>
+                <a:schemeClr val="tx1"/>
+              </a:solidFill>
+            </a:endParaRPr>
+          </a:p>
+        </p:txBody>
+      </p:sp>
+      <p:sp>
+        <p:nvSpPr>
+          <p:cNvPr id="5" name="Rectangle 4"/>
+          <p:cNvSpPr/>
+          <p:nvPr/>
+        </p:nvSpPr>
+        <p:spPr>
+          <a:xfrm>
+            <a:off x="683568" y="2492896"/>
+            <a:ext cx="7848872" cy="720080"/>
+          </a:xfrm>
+          <a:prstGeom prst="rect">
+            <a:avLst/>
+          </a:prstGeom>
+          <a:solidFill>
+            <a:schemeClr val="accent2">
+              <a:lumMod val="20000"/>
+              <a:lumOff val="80000"/>
+            </a:schemeClr>
+          </a:solidFill>
+        </p:spPr>
+        <p:style>
+          <a:lnRef idx="2">
+            <a:schemeClr val="accent1">
+              <a:shade val="50000"/>
+            </a:schemeClr>
+          </a:lnRef>
+          <a:fillRef idx="1">
+            <a:schemeClr val="accent1"/>
+          </a:fillRef>
+          <a:effectRef idx="0">
+            <a:schemeClr val="accent1"/>
+          </a:effectRef>
+          <a:fontRef idx="minor">
+            <a:schemeClr val="lt1"/>
+          </a:fontRef>
+        </p:style>
+        <p:txBody>
+          <a:bodyPr rtlCol="0" anchor="ctr"/>
+          <a:lstStyle/>
+          <a:p>
+            <a:r>
+              <a:rPr lang="en-IE" b="1" dirty="0" smtClean="0">
+                <a:solidFill>
+                  <a:schemeClr val="tx1"/>
+                </a:solidFill>
+              </a:rPr>
+              <a:t>Here we’ll have the site name</a:t>
+            </a:r>
+            <a:endParaRPr lang="en-IE" b="1" dirty="0">
+              <a:solidFill>
+                <a:schemeClr val="tx1"/>
+              </a:solidFill>
+            </a:endParaRPr>
+          </a:p>
+        </p:txBody>
+      </p:sp>
+      <p:sp>
+        <p:nvSpPr>
+          <p:cNvPr id="6" name="Rectangle 5"/>
+          <p:cNvSpPr/>
+          <p:nvPr/>
+        </p:nvSpPr>
+        <p:spPr>
+          <a:xfrm>
+            <a:off x="683568" y="3212976"/>
+            <a:ext cx="7848872" cy="504056"/>
+          </a:xfrm>
+          <a:prstGeom prst="rect">
+            <a:avLst/>
+          </a:prstGeom>
+          <a:solidFill>
+            <a:schemeClr val="accent3">
+              <a:lumMod val="40000"/>
+              <a:lumOff val="60000"/>
+            </a:schemeClr>
+          </a:solidFill>
+        </p:spPr>
+        <p:style>
+          <a:lnRef idx="2">
+            <a:schemeClr val="accent1">
+              <a:shade val="50000"/>
+            </a:schemeClr>
+          </a:lnRef>
+          <a:fillRef idx="1">
+            <a:schemeClr val="accent1"/>
+          </a:fillRef>
+          <a:effectRef idx="0">
+            <a:schemeClr val="accent1"/>
+          </a:effectRef>
+          <a:fontRef idx="minor">
+            <a:schemeClr val="lt1"/>
+          </a:fontRef>
+        </p:style>
+        <p:txBody>
+          <a:bodyPr rtlCol="0" anchor="ctr"/>
+          <a:lstStyle/>
+          <a:p>
+            <a:r>
+              <a:rPr lang="en-IE" b="1" dirty="0" smtClean="0">
+                <a:solidFill>
+                  <a:schemeClr val="tx1"/>
+                </a:solidFill>
+              </a:rPr>
+              <a:t>Here we’ll put the menu we made last week</a:t>
+            </a:r>
+            <a:endParaRPr lang="en-IE" b="1" dirty="0">
+              <a:solidFill>
+                <a:schemeClr val="tx1"/>
+              </a:solidFill>
+            </a:endParaRPr>
+          </a:p>
+        </p:txBody>
+      </p:sp>
+      <p:sp>
+        <p:nvSpPr>
+          <p:cNvPr id="7" name="Rectangle 6"/>
+          <p:cNvSpPr/>
+          <p:nvPr/>
+        </p:nvSpPr>
+        <p:spPr>
+          <a:xfrm>
+            <a:off x="683568" y="6021288"/>
+            <a:ext cx="7848872" cy="216024"/>
+          </a:xfrm>
+          <a:prstGeom prst="rect">
+            <a:avLst/>
+          </a:prstGeom>
+          <a:solidFill>
+            <a:srgbClr val="FFC000"/>
+          </a:solidFill>
+        </p:spPr>
+        <p:style>
+          <a:lnRef idx="2">
+            <a:schemeClr val="accent1">
+              <a:shade val="50000"/>
+            </a:schemeClr>
+          </a:lnRef>
+          <a:fillRef idx="1">
+            <a:schemeClr val="accent1"/>
+          </a:fillRef>
+          <a:effectRef idx="0">
+            <a:schemeClr val="accent1"/>
+          </a:effectRef>
+          <a:fontRef idx="minor">
+            <a:schemeClr val="lt1"/>
+          </a:fontRef>
+        </p:style>
+        <p:txBody>
+          <a:bodyPr rtlCol="0" anchor="ctr"/>
+          <a:lstStyle/>
+          <a:p>
+            <a:r>
+              <a:rPr lang="en-IE" b="1" dirty="0" smtClean="0">
+                <a:solidFill>
+                  <a:schemeClr val="tx1"/>
+                </a:solidFill>
+              </a:rPr>
+              <a:t>Here we’ll put the footer, © notice, </a:t>
+            </a:r>
+            <a:r>
+              <a:rPr lang="en-IE" b="1" dirty="0" err="1" smtClean="0">
+                <a:solidFill>
+                  <a:schemeClr val="tx1"/>
+                </a:solidFill>
+              </a:rPr>
+              <a:t>etc</a:t>
+            </a:r>
+            <a:endParaRPr lang="en-IE" b="1" dirty="0">
+              <a:solidFill>
+                <a:schemeClr val="tx1"/>
+              </a:solidFill>
+            </a:endParaRPr>
+          </a:p>
+        </p:txBody>
+      </p:sp>
+      <p:sp>
+        <p:nvSpPr>
+          <p:cNvPr id="8" name="Rectangle 7"/>
+          <p:cNvSpPr/>
+          <p:nvPr/>
+        </p:nvSpPr>
+        <p:spPr>
+          <a:xfrm>
+            <a:off x="6732240" y="3717032"/>
+            <a:ext cx="1800200" cy="2304256"/>
+          </a:xfrm>
+          <a:prstGeom prst="rect">
+            <a:avLst/>
+          </a:prstGeom>
+          <a:solidFill>
+            <a:schemeClr val="accent1">
+              <a:lumMod val="40000"/>
+              <a:lumOff val="60000"/>
+            </a:schemeClr>
+          </a:solidFill>
+        </p:spPr>
+        <p:style>
+          <a:lnRef idx="2">
+            <a:schemeClr val="accent1">
+              <a:shade val="50000"/>
+            </a:schemeClr>
+          </a:lnRef>
+          <a:fillRef idx="1">
+            <a:schemeClr val="accent1"/>
+          </a:fillRef>
+          <a:effectRef idx="0">
+            <a:schemeClr val="accent1"/>
+          </a:effectRef>
+          <a:fontRef idx="minor">
+            <a:schemeClr val="lt1"/>
+          </a:fontRef>
+        </p:style>
+        <p:txBody>
+          <a:bodyPr rtlCol="0" anchor="ctr"/>
+          <a:lstStyle/>
+          <a:p>
+            <a:r>
+              <a:rPr lang="en-IE" b="1" dirty="0" smtClean="0">
+                <a:solidFill>
+                  <a:schemeClr val="tx1"/>
+                </a:solidFill>
+              </a:rPr>
+              <a:t>Sidebar </a:t>
+            </a:r>
+            <a:endParaRPr lang="en-IE" dirty="0">
+              <a:solidFill>
+                <a:schemeClr val="tx1"/>
+              </a:solidFill>
+            </a:endParaRPr>
+          </a:p>
+        </p:txBody>
+      </p:sp>
+    </p:spTree>
+    <p:extLst>
+      <p:ext uri="{BB962C8B-B14F-4D97-AF65-F5344CB8AC3E}">
+        <p14:creationId xmlns:p14="http://schemas.microsoft.com/office/powerpoint/2010/main" val="1519662724"/>
+      </p:ext>
+    </p:extLst>
+  </p:cSld>
+  <p:clrMapOvr>
+    <a:masterClrMapping/>
+  </p:clrMapOvr>
+  <p:timing>
+    <p:tnLst>
+      <p:par>
+        <p:cTn id="1" dur="indefinite" restart="never" nodeType="tmRoot"/>
+      </p:par>
+    </p:tnLst>
+  </p:timing>
+</p:sld>
+</file>
+
+<file path=ppt/slides/slide6.xml><?xml version="1.0" encoding="utf-8"?>
+<p:sld xmlns:a="http://schemas.openxmlformats.org/drawingml/2006/main" xmlns:r="http://schemas.openxmlformats.org/officeDocument/2006/relationships" xmlns:p="http://schemas.openxmlformats.org/presentationml/2006/main">
+  <p:cSld>
+    <p:spTree>
+      <p:nvGrpSpPr>
+        <p:cNvPr id="1" name=""/>
+        <p:cNvGrpSpPr/>
+        <p:nvPr/>
+      </p:nvGrpSpPr>
+      <p:grpSpPr>
+        <a:xfrm>
+          <a:off x="0" y="0"/>
+          <a:ext cx="0" cy="0"/>
+          <a:chOff x="0" y="0"/>
+          <a:chExt cx="0" cy="0"/>
+        </a:xfrm>
+      </p:grpSpPr>
+      <p:sp>
+        <p:nvSpPr>
+          <p:cNvPr id="2" name="Title 1"/>
+          <p:cNvSpPr>
+            <a:spLocks noGrp="1"/>
+          </p:cNvSpPr>
+          <p:nvPr>
+            <p:ph type="title"/>
+          </p:nvPr>
+        </p:nvSpPr>
+        <p:spPr>
+          <a:xfrm>
+            <a:off x="1571625" y="155448"/>
+            <a:ext cx="7115175" cy="1252728"/>
+          </a:xfrm>
+        </p:spPr>
+        <p:txBody>
+          <a:bodyPr>
+            <a:normAutofit/>
+          </a:bodyPr>
+          <a:lstStyle/>
+          <a:p>
+            <a:r>
+              <a:rPr lang="en-IE" dirty="0" smtClean="0"/>
+              <a:t>Page Layout</a:t>
+            </a:r>
+            <a:endParaRPr lang="en-IE" dirty="0"/>
+          </a:p>
+        </p:txBody>
+      </p:sp>
+      <p:sp>
+        <p:nvSpPr>
+          <p:cNvPr id="3" name="Content Placeholder 2"/>
+          <p:cNvSpPr>
+            <a:spLocks noGrp="1"/>
+          </p:cNvSpPr>
+          <p:nvPr>
+            <p:ph idx="1"/>
+          </p:nvPr>
+        </p:nvSpPr>
+        <p:spPr/>
+        <p:txBody>
+          <a:bodyPr>
+            <a:normAutofit/>
+          </a:bodyPr>
+          <a:lstStyle/>
+          <a:p>
+            <a:r>
+              <a:rPr lang="en-IE" dirty="0" smtClean="0"/>
+              <a:t>This will be a 2-column “liquid” layout</a:t>
+            </a:r>
+          </a:p>
+          <a:p>
+            <a:endParaRPr lang="en-IE" dirty="0" smtClean="0"/>
+          </a:p>
+          <a:p>
+            <a:r>
+              <a:rPr lang="en-IE" dirty="0" smtClean="0"/>
+              <a:t>It’s called “liquid” because the sizes are based on percentages of the page size</a:t>
+            </a:r>
+          </a:p>
+          <a:p>
+            <a:pPr lvl="1"/>
+            <a:r>
+              <a:rPr lang="en-IE" dirty="0" smtClean="0"/>
+              <a:t>So it will rescale on different screen sizes</a:t>
+            </a:r>
+          </a:p>
+          <a:p>
+            <a:pPr lvl="1"/>
+            <a:r>
+              <a:rPr lang="en-IE" dirty="0" smtClean="0"/>
+              <a:t>And if you resize the browser window</a:t>
+            </a:r>
+          </a:p>
+          <a:p>
+            <a:endParaRPr lang="en-IE" dirty="0"/>
+          </a:p>
+          <a:p>
+            <a:r>
+              <a:rPr lang="en-IE" dirty="0" smtClean="0"/>
+              <a:t>It’s a very common layout</a:t>
+            </a:r>
+            <a:endParaRPr lang="en-IE" dirty="0"/>
+          </a:p>
+          <a:p>
+            <a:pPr lvl="1"/>
+            <a:r>
+              <a:rPr lang="en-IE" dirty="0" smtClean="0"/>
+              <a:t>You can customise it for your own needs</a:t>
+            </a:r>
+          </a:p>
+        </p:txBody>
+      </p:sp>
+    </p:spTree>
+    <p:extLst>
+      <p:ext uri="{BB962C8B-B14F-4D97-AF65-F5344CB8AC3E}">
+        <p14:creationId xmlns:p14="http://schemas.microsoft.com/office/powerpoint/2010/main" val="1519662724"/>
+      </p:ext>
+    </p:extLst>
+  </p:cSld>
+  <p:clrMapOvr>
+    <a:masterClrMapping/>
+  </p:clrMapOvr>
+  <p:timing>
+    <p:tnLst>
+      <p:par>
+        <p:cTn id="1" dur="indefinite" restart="never" nodeType="tmRoot"/>
+      </p:par>
+    </p:tnLst>
+  </p:timing>
+</p:sld>
+</file>
+
+<file path=ppt/slides/slide7.xml><?xml version="1.0" encoding="utf-8"?>
+<p:sld xmlns:a="http://schemas.openxmlformats.org/drawingml/2006/main" xmlns:r="http://schemas.openxmlformats.org/officeDocument/2006/relationships" xmlns:p="http://schemas.openxmlformats.org/presentationml/2006/main">
+  <p:cSld>
+    <p:spTree>
+      <p:nvGrpSpPr>
+        <p:cNvPr id="1" name=""/>
+        <p:cNvGrpSpPr/>
+        <p:nvPr/>
+      </p:nvGrpSpPr>
+      <p:grpSpPr>
+        <a:xfrm>
+          <a:off x="0" y="0"/>
+          <a:ext cx="0" cy="0"/>
+          <a:chOff x="0" y="0"/>
+          <a:chExt cx="0" cy="0"/>
+        </a:xfrm>
+      </p:grpSpPr>
+      <p:sp>
+        <p:nvSpPr>
+          <p:cNvPr id="2" name="Title 1"/>
+          <p:cNvSpPr>
+            <a:spLocks noGrp="1"/>
+          </p:cNvSpPr>
+          <p:nvPr>
+            <p:ph type="title"/>
+          </p:nvPr>
+        </p:nvSpPr>
+        <p:spPr>
+          <a:xfrm>
+            <a:off x="1571625" y="155448"/>
+            <a:ext cx="7115175" cy="1252728"/>
+          </a:xfrm>
+        </p:spPr>
+        <p:txBody>
+          <a:bodyPr>
+            <a:normAutofit/>
+          </a:bodyPr>
+          <a:lstStyle/>
+          <a:p>
+            <a:r>
+              <a:rPr lang="en-IE" dirty="0" smtClean="0"/>
+              <a:t>Let’s Start …</a:t>
+            </a:r>
+            <a:endParaRPr lang="en-IE" dirty="0"/>
+          </a:p>
+        </p:txBody>
+      </p:sp>
+      <p:sp>
+        <p:nvSpPr>
+          <p:cNvPr id="3" name="Content Placeholder 2"/>
+          <p:cNvSpPr>
+            <a:spLocks noGrp="1"/>
+          </p:cNvSpPr>
+          <p:nvPr>
+            <p:ph idx="1"/>
+          </p:nvPr>
+        </p:nvSpPr>
+        <p:spPr/>
+        <p:txBody>
+          <a:bodyPr>
+            <a:normAutofit lnSpcReduction="10000"/>
+          </a:bodyPr>
+          <a:lstStyle/>
+          <a:p>
+            <a:r>
+              <a:rPr lang="en-IE" dirty="0" smtClean="0"/>
+              <a:t>We have 5 “sections” on the page</a:t>
+            </a:r>
+          </a:p>
+          <a:p>
+            <a:pPr marL="971550" lvl="1" indent="-514350">
+              <a:buFont typeface="+mj-lt"/>
+              <a:buAutoNum type="arabicPeriod"/>
+            </a:pPr>
+            <a:r>
+              <a:rPr lang="en-US" dirty="0" smtClean="0"/>
+              <a:t>Header</a:t>
+            </a:r>
+          </a:p>
+          <a:p>
+            <a:pPr marL="971550" lvl="1" indent="-514350">
+              <a:buFont typeface="+mj-lt"/>
+              <a:buAutoNum type="arabicPeriod"/>
+            </a:pPr>
+            <a:r>
+              <a:rPr lang="en-US" dirty="0" smtClean="0"/>
+              <a:t>Navigation Bar</a:t>
+            </a:r>
+          </a:p>
+          <a:p>
+            <a:pPr marL="971550" lvl="1" indent="-514350">
+              <a:buFont typeface="+mj-lt"/>
+              <a:buAutoNum type="arabicPeriod"/>
+            </a:pPr>
+            <a:r>
+              <a:rPr lang="en-US" dirty="0" smtClean="0"/>
+              <a:t>Main Body</a:t>
+            </a:r>
+          </a:p>
+          <a:p>
+            <a:pPr marL="971550" lvl="1" indent="-514350">
+              <a:buFont typeface="+mj-lt"/>
+              <a:buAutoNum type="arabicPeriod"/>
+            </a:pPr>
+            <a:r>
+              <a:rPr lang="en-US" dirty="0" smtClean="0"/>
+              <a:t>Right Column</a:t>
+            </a:r>
+          </a:p>
+          <a:p>
+            <a:pPr marL="971550" lvl="1" indent="-514350">
+              <a:buFont typeface="+mj-lt"/>
+              <a:buAutoNum type="arabicPeriod"/>
+            </a:pPr>
+            <a:r>
+              <a:rPr lang="en-US" dirty="0" smtClean="0"/>
+              <a:t>Footer</a:t>
+            </a:r>
+          </a:p>
+          <a:p>
+            <a:pPr marL="971550" lvl="1" indent="-514350">
+              <a:buFont typeface="+mj-lt"/>
+              <a:buAutoNum type="arabicPeriod"/>
+            </a:pPr>
+            <a:endParaRPr lang="en-IE" dirty="0" smtClean="0"/>
+          </a:p>
+          <a:p>
+            <a:r>
+              <a:rPr lang="en-IE" dirty="0" smtClean="0"/>
+              <a:t>Make an empty HTML file</a:t>
+            </a:r>
+          </a:p>
+          <a:p>
+            <a:r>
+              <a:rPr lang="en-IE" dirty="0" smtClean="0"/>
+              <a:t>Link in an empty CSS file</a:t>
+            </a:r>
+          </a:p>
+          <a:p>
+            <a:endParaRPr lang="en-IE" dirty="0"/>
+          </a:p>
+          <a:p>
+            <a:endParaRPr lang="en-IE" dirty="0" smtClean="0"/>
+          </a:p>
+        </p:txBody>
+      </p:sp>
+    </p:spTree>
+    <p:extLst>
+      <p:ext uri="{BB962C8B-B14F-4D97-AF65-F5344CB8AC3E}">
+        <p14:creationId xmlns:p14="http://schemas.microsoft.com/office/powerpoint/2010/main" val="2950408492"/>
+      </p:ext>
+    </p:extLst>
+  </p:cSld>
+  <p:clrMapOvr>
+    <a:masterClrMapping/>
+  </p:clrMapOvr>
+  <p:timing>
+    <p:tnLst>
+      <p:par>
+        <p:cTn id="1" dur="indefinite" restart="never" nodeType="tmRoot"/>
+      </p:par>
+    </p:tnLst>
+  </p:timing>
+</p:sld>
+</file>
+
+<file path=ppt/slides/slide8.xml><?xml version="1.0" encoding="utf-8"?>
+<p:sld xmlns:a="http://schemas.openxmlformats.org/drawingml/2006/main" xmlns:r="http://schemas.openxmlformats.org/officeDocument/2006/relationships" xmlns:p="http://schemas.openxmlformats.org/presentationml/2006/main">
+  <p:cSld>
+    <p:spTree>
+      <p:nvGrpSpPr>
+        <p:cNvPr id="1" name=""/>
+        <p:cNvGrpSpPr/>
+        <p:nvPr/>
+      </p:nvGrpSpPr>
+      <p:grpSpPr>
+        <a:xfrm>
+          <a:off x="0" y="0"/>
+          <a:ext cx="0" cy="0"/>
+          <a:chOff x="0" y="0"/>
+          <a:chExt cx="0" cy="0"/>
+        </a:xfrm>
+      </p:grpSpPr>
+      <p:sp>
+        <p:nvSpPr>
+          <p:cNvPr id="2" name="Title 1"/>
+          <p:cNvSpPr>
+            <a:spLocks noGrp="1"/>
+          </p:cNvSpPr>
+          <p:nvPr>
+            <p:ph type="title"/>
+          </p:nvPr>
+        </p:nvSpPr>
+        <p:spPr>
+          <a:xfrm>
+            <a:off x="1571625" y="155448"/>
+            <a:ext cx="7115175" cy="1252728"/>
+          </a:xfrm>
+        </p:spPr>
+        <p:txBody>
+          <a:bodyPr>
+            <a:normAutofit/>
+          </a:bodyPr>
+          <a:lstStyle/>
+          <a:p>
+            <a:r>
+              <a:rPr lang="en-IE" dirty="0" smtClean="0"/>
+              <a:t>Page Outline</a:t>
+            </a:r>
+            <a:endParaRPr lang="en-IE" dirty="0"/>
+          </a:p>
+        </p:txBody>
+      </p:sp>
+      <p:sp>
+        <p:nvSpPr>
+          <p:cNvPr id="3" name="Content Placeholder 2"/>
+          <p:cNvSpPr>
+            <a:spLocks noGrp="1"/>
+          </p:cNvSpPr>
+          <p:nvPr>
+            <p:ph idx="1"/>
+          </p:nvPr>
+        </p:nvSpPr>
+        <p:spPr/>
+        <p:txBody>
+          <a:bodyPr>
+            <a:normAutofit/>
+          </a:bodyPr>
+          <a:lstStyle/>
+          <a:p>
+            <a:r>
+              <a:rPr lang="en-IE" dirty="0" smtClean="0"/>
+              <a:t>Each section of the page is wrapped in a &lt;div&gt; with a different id</a:t>
+            </a:r>
+          </a:p>
+          <a:p>
+            <a:endParaRPr lang="en-IE" dirty="0" smtClean="0"/>
+          </a:p>
+          <a:p>
+            <a:r>
+              <a:rPr lang="en-US" dirty="0" smtClean="0"/>
+              <a:t>Wrap all page content in a container &lt;div&gt;</a:t>
+            </a:r>
+          </a:p>
+          <a:p>
+            <a:endParaRPr lang="en-US" dirty="0"/>
+          </a:p>
+          <a:p>
+            <a:r>
+              <a:rPr lang="en-US" dirty="0" smtClean="0"/>
+              <a:t>Wrap header, navigation and content in &lt;div&gt;s inside this &lt;div&gt;</a:t>
+            </a:r>
+          </a:p>
+          <a:p>
+            <a:endParaRPr lang="en-US" dirty="0"/>
+          </a:p>
+          <a:p>
+            <a:r>
+              <a:rPr lang="en-US" dirty="0" smtClean="0"/>
+              <a:t>… let’s look at what this looks like …</a:t>
+            </a:r>
+            <a:endParaRPr lang="en-IE" dirty="0" smtClean="0"/>
+          </a:p>
+          <a:p>
+            <a:endParaRPr lang="en-IE" dirty="0"/>
+          </a:p>
+          <a:p>
+            <a:endParaRPr lang="en-IE" dirty="0" smtClean="0"/>
+          </a:p>
+        </p:txBody>
+      </p:sp>
+    </p:spTree>
+    <p:extLst>
+      <p:ext uri="{BB962C8B-B14F-4D97-AF65-F5344CB8AC3E}">
+        <p14:creationId xmlns:p14="http://schemas.microsoft.com/office/powerpoint/2010/main" val="3913293040"/>
+      </p:ext>
+    </p:extLst>
+  </p:cSld>
+  <p:clrMapOvr>
+    <a:masterClrMapping/>
+  </p:clrMapOvr>
+  <p:timing>
+    <p:tnLst>
+      <p:par>
+        <p:cTn id="1" dur="indefinite" restart="never" nodeType="tmRoot"/>
+      </p:par>
+    </p:tnLst>
+  </p:timing>
+</p:sld>
+</file>
+
+<file path=ppt/slides/slide9.xml><?xml version="1.0" encoding="utf-8"?>
+<p:sld xmlns:a="http://schemas.openxmlformats.org/drawingml/2006/main" xmlns:r="http://schemas.openxmlformats.org/officeDocument/2006/relationships" xmlns:p="http://schemas.openxmlformats.org/presentationml/2006/main">
+  <p:cSld>
+    <p:spTree>
+      <p:nvGrpSpPr>
+        <p:cNvPr id="1" name=""/>
+        <p:cNvGrpSpPr/>
+        <p:nvPr/>
+      </p:nvGrpSpPr>
+      <p:grpSpPr>
+        <a:xfrm>
+          <a:off x="0" y="0"/>
+          <a:ext cx="0" cy="0"/>
+          <a:chOff x="0" y="0"/>
+          <a:chExt cx="0" cy="0"/>
+        </a:xfrm>
+      </p:grpSpPr>
+      <p:sp>
+        <p:nvSpPr>
+          <p:cNvPr id="2" name="Title 1"/>
+          <p:cNvSpPr>
+            <a:spLocks noGrp="1"/>
+          </p:cNvSpPr>
+          <p:nvPr>
+            <p:ph type="title"/>
+          </p:nvPr>
+        </p:nvSpPr>
+        <p:spPr>
+          <a:xfrm>
+            <a:off x="1571625" y="155448"/>
+            <a:ext cx="7115175" cy="1252728"/>
+          </a:xfrm>
+        </p:spPr>
+        <p:txBody>
+          <a:bodyPr>
+            <a:normAutofit fontScale="90000"/>
+          </a:bodyPr>
+          <a:lstStyle/>
+          <a:p>
+            <a:r>
+              <a:rPr lang="en-IE" dirty="0" smtClean="0"/>
+              <a:t>Next … add menu and some colour</a:t>
+            </a:r>
+            <a:endParaRPr lang="en-IE" dirty="0"/>
+          </a:p>
+        </p:txBody>
+      </p:sp>
+      <p:sp>
+        <p:nvSpPr>
+          <p:cNvPr id="3" name="Content Placeholder 2"/>
+          <p:cNvSpPr>
+            <a:spLocks noGrp="1"/>
+          </p:cNvSpPr>
+          <p:nvPr>
+            <p:ph idx="1"/>
+          </p:nvPr>
+        </p:nvSpPr>
+        <p:spPr/>
+        <p:txBody>
+          <a:bodyPr>
+            <a:normAutofit/>
+          </a:bodyPr>
+          <a:lstStyle/>
+          <a:p>
+            <a:r>
+              <a:rPr lang="en-IE" dirty="0" smtClean="0"/>
+              <a:t>Add in our menu from last week</a:t>
+            </a:r>
+          </a:p>
+          <a:p>
+            <a:pPr lvl="1"/>
+            <a:r>
+              <a:rPr lang="en-IE" dirty="0" smtClean="0"/>
+              <a:t>But remove the rounded corners</a:t>
+            </a:r>
+          </a:p>
+          <a:p>
+            <a:r>
+              <a:rPr lang="en-IE" dirty="0" smtClean="0"/>
+              <a:t>Add in some menu text</a:t>
+            </a:r>
+          </a:p>
+          <a:p>
+            <a:r>
+              <a:rPr lang="en-IE" dirty="0" smtClean="0"/>
+              <a:t>Add come background colours to the header, footer and sidebar &lt;div&gt;s</a:t>
+            </a:r>
+          </a:p>
+          <a:p>
+            <a:endParaRPr lang="en-IE" dirty="0"/>
+          </a:p>
+          <a:p>
+            <a:r>
+              <a:rPr lang="en-IE" dirty="0" smtClean="0"/>
+              <a:t>… let’s look at this next … </a:t>
+            </a:r>
+            <a:endParaRPr lang="en-IE" dirty="0"/>
+          </a:p>
+          <a:p>
+            <a:endParaRPr lang="en-IE" dirty="0" smtClean="0"/>
+          </a:p>
+        </p:txBody>
+      </p:sp>
+    </p:spTree>
+    <p:extLst>
+      <p:ext uri="{BB962C8B-B14F-4D97-AF65-F5344CB8AC3E}">
+        <p14:creationId xmlns:p14="http://schemas.microsoft.com/office/powerpoint/2010/main" val="1306681278"/>
       </p:ext>
     </p:extLst>
   </p:cSld>
